--- a/web/g24/status/Status1.pptx
+++ b/web/g24/status/Status1.pptx
@@ -2,25 +2,27 @@
 <file path=ppt/presentation.xml><?xml version="1.0" encoding="utf-8"?>
 <p:presentation xmlns:a="http://schemas.openxmlformats.org/drawingml/2006/main" xmlns:r="http://schemas.openxmlformats.org/officeDocument/2006/relationships" xmlns:p="http://schemas.openxmlformats.org/presentationml/2006/main" showSpecialPlsOnTitleSld="0" saveSubsetFonts="1" autoCompressPictures="0">
   <p:sldMasterIdLst>
-    <p:sldMasterId id="2147483648" r:id="rId4"/>
+    <p:sldMasterId id="2147483648" r:id="rId1"/>
   </p:sldMasterIdLst>
   <p:notesMasterIdLst>
-    <p:notesMasterId r:id="rId15"/>
+    <p:notesMasterId r:id="rId14"/>
   </p:notesMasterIdLst>
   <p:handoutMasterIdLst>
-    <p:handoutMasterId r:id="rId16"/>
+    <p:handoutMasterId r:id="rId15"/>
   </p:handoutMasterIdLst>
   <p:sldIdLst>
-    <p:sldId id="380" r:id="rId5"/>
-    <p:sldId id="375" r:id="rId6"/>
-    <p:sldId id="387" r:id="rId7"/>
-    <p:sldId id="381" r:id="rId8"/>
-    <p:sldId id="382" r:id="rId9"/>
-    <p:sldId id="386" r:id="rId10"/>
-    <p:sldId id="388" r:id="rId11"/>
-    <p:sldId id="391" r:id="rId12"/>
-    <p:sldId id="389" r:id="rId13"/>
-    <p:sldId id="390" r:id="rId14"/>
+    <p:sldId id="380" r:id="rId2"/>
+    <p:sldId id="375" r:id="rId3"/>
+    <p:sldId id="387" r:id="rId4"/>
+    <p:sldId id="381" r:id="rId5"/>
+    <p:sldId id="382" r:id="rId6"/>
+    <p:sldId id="383" r:id="rId7"/>
+    <p:sldId id="386" r:id="rId8"/>
+    <p:sldId id="385" r:id="rId9"/>
+    <p:sldId id="388" r:id="rId10"/>
+    <p:sldId id="391" r:id="rId11"/>
+    <p:sldId id="389" r:id="rId12"/>
+    <p:sldId id="390" r:id="rId13"/>
   </p:sldIdLst>
   <p:sldSz cx="9144000" cy="6858000" type="screen4x3"/>
   <p:notesSz cx="7099300" cy="10234613"/>
@@ -159,7 +161,9 @@
             <p14:sldId id="387"/>
             <p14:sldId id="381"/>
             <p14:sldId id="382"/>
+            <p14:sldId id="383"/>
             <p14:sldId id="386"/>
+            <p14:sldId id="385"/>
             <p14:sldId id="388"/>
             <p14:sldId id="391"/>
             <p14:sldId id="389"/>
@@ -1743,6 +1747,560 @@
     </p:spTree>
     <p:extLst>
       <p:ext uri="{BB962C8B-B14F-4D97-AF65-F5344CB8AC3E}">
+        <p14:creationId xmlns:p14="http://schemas.microsoft.com/office/powerpoint/2010/main" val="4098951095"/>
+      </p:ext>
+    </p:extLst>
+  </p:cSld>
+  <p:clrMapOvr>
+    <a:masterClrMapping/>
+  </p:clrMapOvr>
+</p:notes>
+</file>
+
+<file path=ppt/notesSlides/notesSlide11.xml><?xml version="1.0" encoding="utf-8"?>
+<p:notes xmlns:a="http://schemas.openxmlformats.org/drawingml/2006/main" xmlns:r="http://schemas.openxmlformats.org/officeDocument/2006/relationships" xmlns:p="http://schemas.openxmlformats.org/presentationml/2006/main">
+  <p:cSld>
+    <p:spTree>
+      <p:nvGrpSpPr>
+        <p:cNvPr id="1" name=""/>
+        <p:cNvGrpSpPr/>
+        <p:nvPr/>
+      </p:nvGrpSpPr>
+      <p:grpSpPr>
+        <a:xfrm>
+          <a:off x="0" y="0"/>
+          <a:ext cx="0" cy="0"/>
+          <a:chOff x="0" y="0"/>
+          <a:chExt cx="0" cy="0"/>
+        </a:xfrm>
+      </p:grpSpPr>
+      <p:sp>
+        <p:nvSpPr>
+          <p:cNvPr id="22530" name="Rectangle 7"/>
+          <p:cNvSpPr>
+            <a:spLocks noGrp="1" noChangeArrowheads="1"/>
+          </p:cNvSpPr>
+          <p:nvPr>
+            <p:ph type="sldNum" sz="quarter" idx="5"/>
+          </p:nvPr>
+        </p:nvSpPr>
+        <p:spPr>
+          <a:noFill/>
+          <a:ln/>
+          <a:extLst>
+            <a:ext uri="{909E8E84-426E-40DD-AFC4-6F175D3DCCD1}">
+              <a14:hiddenFill xmlns:a14="http://schemas.microsoft.com/office/drawing/2010/main">
+                <a:solidFill>
+                  <a:srgbClr val="FFFFFF"/>
+                </a:solidFill>
+              </a14:hiddenFill>
+            </a:ext>
+            <a:ext uri="{91240B29-F687-4F45-9708-019B960494DF}">
+              <a14:hiddenLine xmlns:a14="http://schemas.microsoft.com/office/drawing/2010/main" w="9525">
+                <a:solidFill>
+                  <a:srgbClr val="000000"/>
+                </a:solidFill>
+                <a:miter lim="800000"/>
+                <a:headEnd/>
+                <a:tailEnd/>
+              </a14:hiddenLine>
+            </a:ext>
+          </a:extLst>
+        </p:spPr>
+        <p:txBody>
+          <a:bodyPr/>
+          <a:lstStyle>
+            <a:lvl1pPr defTabSz="990528" eaLnBrk="0" hangingPunct="0">
+              <a:spcBef>
+                <a:spcPct val="30000"/>
+              </a:spcBef>
+              <a:defRPr sz="1200">
+                <a:solidFill>
+                  <a:schemeClr val="tx1"/>
+                </a:solidFill>
+                <a:latin typeface="Times New Roman" pitchFamily="18" charset="0"/>
+                <a:ea typeface="ＭＳ Ｐゴシック" pitchFamily="34" charset="-128"/>
+              </a:defRPr>
+            </a:lvl1pPr>
+            <a:lvl2pPr marL="742897" indent="-285730" defTabSz="990528" eaLnBrk="0" hangingPunct="0">
+              <a:spcBef>
+                <a:spcPct val="30000"/>
+              </a:spcBef>
+              <a:defRPr sz="1200">
+                <a:solidFill>
+                  <a:schemeClr val="tx1"/>
+                </a:solidFill>
+                <a:latin typeface="Times New Roman" pitchFamily="18" charset="0"/>
+                <a:ea typeface="ＭＳ Ｐゴシック" pitchFamily="34" charset="-128"/>
+              </a:defRPr>
+            </a:lvl2pPr>
+            <a:lvl3pPr marL="1142918" indent="-228584" defTabSz="990528" eaLnBrk="0" hangingPunct="0">
+              <a:spcBef>
+                <a:spcPct val="30000"/>
+              </a:spcBef>
+              <a:defRPr sz="1200">
+                <a:solidFill>
+                  <a:schemeClr val="tx1"/>
+                </a:solidFill>
+                <a:latin typeface="Times New Roman" pitchFamily="18" charset="0"/>
+                <a:ea typeface="ＭＳ Ｐゴシック" pitchFamily="34" charset="-128"/>
+              </a:defRPr>
+            </a:lvl3pPr>
+            <a:lvl4pPr marL="1600085" indent="-228584" defTabSz="990528" eaLnBrk="0" hangingPunct="0">
+              <a:spcBef>
+                <a:spcPct val="30000"/>
+              </a:spcBef>
+              <a:defRPr sz="1200">
+                <a:solidFill>
+                  <a:schemeClr val="tx1"/>
+                </a:solidFill>
+                <a:latin typeface="Times New Roman" pitchFamily="18" charset="0"/>
+                <a:ea typeface="ＭＳ Ｐゴシック" pitchFamily="34" charset="-128"/>
+              </a:defRPr>
+            </a:lvl4pPr>
+            <a:lvl5pPr marL="2057252" indent="-228584" defTabSz="990528" eaLnBrk="0" hangingPunct="0">
+              <a:spcBef>
+                <a:spcPct val="30000"/>
+              </a:spcBef>
+              <a:defRPr sz="1200">
+                <a:solidFill>
+                  <a:schemeClr val="tx1"/>
+                </a:solidFill>
+                <a:latin typeface="Times New Roman" pitchFamily="18" charset="0"/>
+                <a:ea typeface="ＭＳ Ｐゴシック" pitchFamily="34" charset="-128"/>
+              </a:defRPr>
+            </a:lvl5pPr>
+            <a:lvl6pPr marL="2514419" indent="-228584" defTabSz="990528" eaLnBrk="0" fontAlgn="base" hangingPunct="0">
+              <a:spcBef>
+                <a:spcPct val="30000"/>
+              </a:spcBef>
+              <a:spcAft>
+                <a:spcPct val="0"/>
+              </a:spcAft>
+              <a:defRPr sz="1200">
+                <a:solidFill>
+                  <a:schemeClr val="tx1"/>
+                </a:solidFill>
+                <a:latin typeface="Times New Roman" pitchFamily="18" charset="0"/>
+                <a:ea typeface="ＭＳ Ｐゴシック" pitchFamily="34" charset="-128"/>
+              </a:defRPr>
+            </a:lvl6pPr>
+            <a:lvl7pPr marL="2971585" indent="-228584" defTabSz="990528" eaLnBrk="0" fontAlgn="base" hangingPunct="0">
+              <a:spcBef>
+                <a:spcPct val="30000"/>
+              </a:spcBef>
+              <a:spcAft>
+                <a:spcPct val="0"/>
+              </a:spcAft>
+              <a:defRPr sz="1200">
+                <a:solidFill>
+                  <a:schemeClr val="tx1"/>
+                </a:solidFill>
+                <a:latin typeface="Times New Roman" pitchFamily="18" charset="0"/>
+                <a:ea typeface="ＭＳ Ｐゴシック" pitchFamily="34" charset="-128"/>
+              </a:defRPr>
+            </a:lvl7pPr>
+            <a:lvl8pPr marL="3428752" indent="-228584" defTabSz="990528" eaLnBrk="0" fontAlgn="base" hangingPunct="0">
+              <a:spcBef>
+                <a:spcPct val="30000"/>
+              </a:spcBef>
+              <a:spcAft>
+                <a:spcPct val="0"/>
+              </a:spcAft>
+              <a:defRPr sz="1200">
+                <a:solidFill>
+                  <a:schemeClr val="tx1"/>
+                </a:solidFill>
+                <a:latin typeface="Times New Roman" pitchFamily="18" charset="0"/>
+                <a:ea typeface="ＭＳ Ｐゴシック" pitchFamily="34" charset="-128"/>
+              </a:defRPr>
+            </a:lvl8pPr>
+            <a:lvl9pPr marL="3885919" indent="-228584" defTabSz="990528" eaLnBrk="0" fontAlgn="base" hangingPunct="0">
+              <a:spcBef>
+                <a:spcPct val="30000"/>
+              </a:spcBef>
+              <a:spcAft>
+                <a:spcPct val="0"/>
+              </a:spcAft>
+              <a:defRPr sz="1200">
+                <a:solidFill>
+                  <a:schemeClr val="tx1"/>
+                </a:solidFill>
+                <a:latin typeface="Times New Roman" pitchFamily="18" charset="0"/>
+                <a:ea typeface="ＭＳ Ｐゴシック" pitchFamily="34" charset="-128"/>
+              </a:defRPr>
+            </a:lvl9pPr>
+          </a:lstStyle>
+          <a:p>
+            <a:pPr eaLnBrk="1" hangingPunct="1">
+              <a:spcBef>
+                <a:spcPct val="0"/>
+              </a:spcBef>
+            </a:pPr>
+            <a:fld id="{392CB419-FA32-4238-A473-EBED58FF00DE}" type="slidenum">
+              <a:rPr lang="da-DK" altLang="da-DK" sz="1300">
+                <a:solidFill>
+                  <a:srgbClr val="CC0000"/>
+                </a:solidFill>
+              </a:rPr>
+              <a:pPr eaLnBrk="1" hangingPunct="1">
+                <a:spcBef>
+                  <a:spcPct val="0"/>
+                </a:spcBef>
+              </a:pPr>
+              <a:t>11</a:t>
+            </a:fld>
+            <a:endParaRPr lang="da-DK" altLang="da-DK" sz="1300">
+              <a:solidFill>
+                <a:srgbClr val="CC0000"/>
+              </a:solidFill>
+            </a:endParaRPr>
+          </a:p>
+        </p:txBody>
+      </p:sp>
+      <p:sp>
+        <p:nvSpPr>
+          <p:cNvPr id="22531" name="Rectangle 2"/>
+          <p:cNvSpPr>
+            <a:spLocks noGrp="1" noRot="1" noChangeAspect="1" noChangeArrowheads="1" noTextEdit="1"/>
+          </p:cNvSpPr>
+          <p:nvPr>
+            <p:ph type="sldImg"/>
+          </p:nvPr>
+        </p:nvSpPr>
+        <p:spPr>
+          <a:xfrm>
+            <a:off x="992188" y="768350"/>
+            <a:ext cx="5114925" cy="3836988"/>
+          </a:xfrm>
+          <a:ln/>
+        </p:spPr>
+      </p:sp>
+      <p:sp>
+        <p:nvSpPr>
+          <p:cNvPr id="22532" name="Rectangle 3"/>
+          <p:cNvSpPr>
+            <a:spLocks noGrp="1" noChangeArrowheads="1"/>
+          </p:cNvSpPr>
+          <p:nvPr>
+            <p:ph type="body" idx="1"/>
+          </p:nvPr>
+        </p:nvSpPr>
+        <p:spPr>
+          <a:noFill/>
+          <a:ln/>
+          <a:extLst>
+            <a:ext uri="{909E8E84-426E-40DD-AFC4-6F175D3DCCD1}">
+              <a14:hiddenFill xmlns:a14="http://schemas.microsoft.com/office/drawing/2010/main">
+                <a:solidFill>
+                  <a:srgbClr val="FFFFFF"/>
+                </a:solidFill>
+              </a14:hiddenFill>
+            </a:ext>
+            <a:ext uri="{91240B29-F687-4F45-9708-019B960494DF}">
+              <a14:hiddenLine xmlns:a14="http://schemas.microsoft.com/office/drawing/2010/main" w="9525">
+                <a:solidFill>
+                  <a:srgbClr val="000000"/>
+                </a:solidFill>
+                <a:miter lim="800000"/>
+                <a:headEnd/>
+                <a:tailEnd/>
+              </a14:hiddenLine>
+            </a:ext>
+          </a:extLst>
+        </p:spPr>
+        <p:txBody>
+          <a:bodyPr/>
+          <a:lstStyle/>
+          <a:p>
+            <a:pPr eaLnBrk="1" hangingPunct="1"/>
+            <a:endParaRPr lang="en-US" altLang="da-DK" smtClean="0">
+              <a:latin typeface="Times New Roman" pitchFamily="18" charset="0"/>
+              <a:ea typeface="ＭＳ Ｐゴシック" pitchFamily="34" charset="-128"/>
+            </a:endParaRPr>
+          </a:p>
+        </p:txBody>
+      </p:sp>
+    </p:spTree>
+    <p:extLst>
+      <p:ext uri="{BB962C8B-B14F-4D97-AF65-F5344CB8AC3E}">
+        <p14:creationId xmlns:p14="http://schemas.microsoft.com/office/powerpoint/2010/main" val="4022501094"/>
+      </p:ext>
+    </p:extLst>
+  </p:cSld>
+  <p:clrMapOvr>
+    <a:masterClrMapping/>
+  </p:clrMapOvr>
+</p:notes>
+</file>
+
+<file path=ppt/notesSlides/notesSlide12.xml><?xml version="1.0" encoding="utf-8"?>
+<p:notes xmlns:a="http://schemas.openxmlformats.org/drawingml/2006/main" xmlns:r="http://schemas.openxmlformats.org/officeDocument/2006/relationships" xmlns:p="http://schemas.openxmlformats.org/presentationml/2006/main">
+  <p:cSld>
+    <p:spTree>
+      <p:nvGrpSpPr>
+        <p:cNvPr id="1" name=""/>
+        <p:cNvGrpSpPr/>
+        <p:nvPr/>
+      </p:nvGrpSpPr>
+      <p:grpSpPr>
+        <a:xfrm>
+          <a:off x="0" y="0"/>
+          <a:ext cx="0" cy="0"/>
+          <a:chOff x="0" y="0"/>
+          <a:chExt cx="0" cy="0"/>
+        </a:xfrm>
+      </p:grpSpPr>
+      <p:sp>
+        <p:nvSpPr>
+          <p:cNvPr id="22530" name="Rectangle 7"/>
+          <p:cNvSpPr>
+            <a:spLocks noGrp="1" noChangeArrowheads="1"/>
+          </p:cNvSpPr>
+          <p:nvPr>
+            <p:ph type="sldNum" sz="quarter" idx="5"/>
+          </p:nvPr>
+        </p:nvSpPr>
+        <p:spPr>
+          <a:noFill/>
+          <a:ln/>
+          <a:extLst>
+            <a:ext uri="{909E8E84-426E-40DD-AFC4-6F175D3DCCD1}">
+              <a14:hiddenFill xmlns:a14="http://schemas.microsoft.com/office/drawing/2010/main">
+                <a:solidFill>
+                  <a:srgbClr val="FFFFFF"/>
+                </a:solidFill>
+              </a14:hiddenFill>
+            </a:ext>
+            <a:ext uri="{91240B29-F687-4F45-9708-019B960494DF}">
+              <a14:hiddenLine xmlns:a14="http://schemas.microsoft.com/office/drawing/2010/main" w="9525">
+                <a:solidFill>
+                  <a:srgbClr val="000000"/>
+                </a:solidFill>
+                <a:miter lim="800000"/>
+                <a:headEnd/>
+                <a:tailEnd/>
+              </a14:hiddenLine>
+            </a:ext>
+          </a:extLst>
+        </p:spPr>
+        <p:txBody>
+          <a:bodyPr/>
+          <a:lstStyle>
+            <a:lvl1pPr defTabSz="990528" eaLnBrk="0" hangingPunct="0">
+              <a:spcBef>
+                <a:spcPct val="30000"/>
+              </a:spcBef>
+              <a:defRPr sz="1200">
+                <a:solidFill>
+                  <a:schemeClr val="tx1"/>
+                </a:solidFill>
+                <a:latin typeface="Times New Roman" pitchFamily="18" charset="0"/>
+                <a:ea typeface="ＭＳ Ｐゴシック" pitchFamily="34" charset="-128"/>
+              </a:defRPr>
+            </a:lvl1pPr>
+            <a:lvl2pPr marL="742897" indent="-285730" defTabSz="990528" eaLnBrk="0" hangingPunct="0">
+              <a:spcBef>
+                <a:spcPct val="30000"/>
+              </a:spcBef>
+              <a:defRPr sz="1200">
+                <a:solidFill>
+                  <a:schemeClr val="tx1"/>
+                </a:solidFill>
+                <a:latin typeface="Times New Roman" pitchFamily="18" charset="0"/>
+                <a:ea typeface="ＭＳ Ｐゴシック" pitchFamily="34" charset="-128"/>
+              </a:defRPr>
+            </a:lvl2pPr>
+            <a:lvl3pPr marL="1142918" indent="-228584" defTabSz="990528" eaLnBrk="0" hangingPunct="0">
+              <a:spcBef>
+                <a:spcPct val="30000"/>
+              </a:spcBef>
+              <a:defRPr sz="1200">
+                <a:solidFill>
+                  <a:schemeClr val="tx1"/>
+                </a:solidFill>
+                <a:latin typeface="Times New Roman" pitchFamily="18" charset="0"/>
+                <a:ea typeface="ＭＳ Ｐゴシック" pitchFamily="34" charset="-128"/>
+              </a:defRPr>
+            </a:lvl3pPr>
+            <a:lvl4pPr marL="1600085" indent="-228584" defTabSz="990528" eaLnBrk="0" hangingPunct="0">
+              <a:spcBef>
+                <a:spcPct val="30000"/>
+              </a:spcBef>
+              <a:defRPr sz="1200">
+                <a:solidFill>
+                  <a:schemeClr val="tx1"/>
+                </a:solidFill>
+                <a:latin typeface="Times New Roman" pitchFamily="18" charset="0"/>
+                <a:ea typeface="ＭＳ Ｐゴシック" pitchFamily="34" charset="-128"/>
+              </a:defRPr>
+            </a:lvl4pPr>
+            <a:lvl5pPr marL="2057252" indent="-228584" defTabSz="990528" eaLnBrk="0" hangingPunct="0">
+              <a:spcBef>
+                <a:spcPct val="30000"/>
+              </a:spcBef>
+              <a:defRPr sz="1200">
+                <a:solidFill>
+                  <a:schemeClr val="tx1"/>
+                </a:solidFill>
+                <a:latin typeface="Times New Roman" pitchFamily="18" charset="0"/>
+                <a:ea typeface="ＭＳ Ｐゴシック" pitchFamily="34" charset="-128"/>
+              </a:defRPr>
+            </a:lvl5pPr>
+            <a:lvl6pPr marL="2514419" indent="-228584" defTabSz="990528" eaLnBrk="0" fontAlgn="base" hangingPunct="0">
+              <a:spcBef>
+                <a:spcPct val="30000"/>
+              </a:spcBef>
+              <a:spcAft>
+                <a:spcPct val="0"/>
+              </a:spcAft>
+              <a:defRPr sz="1200">
+                <a:solidFill>
+                  <a:schemeClr val="tx1"/>
+                </a:solidFill>
+                <a:latin typeface="Times New Roman" pitchFamily="18" charset="0"/>
+                <a:ea typeface="ＭＳ Ｐゴシック" pitchFamily="34" charset="-128"/>
+              </a:defRPr>
+            </a:lvl6pPr>
+            <a:lvl7pPr marL="2971585" indent="-228584" defTabSz="990528" eaLnBrk="0" fontAlgn="base" hangingPunct="0">
+              <a:spcBef>
+                <a:spcPct val="30000"/>
+              </a:spcBef>
+              <a:spcAft>
+                <a:spcPct val="0"/>
+              </a:spcAft>
+              <a:defRPr sz="1200">
+                <a:solidFill>
+                  <a:schemeClr val="tx1"/>
+                </a:solidFill>
+                <a:latin typeface="Times New Roman" pitchFamily="18" charset="0"/>
+                <a:ea typeface="ＭＳ Ｐゴシック" pitchFamily="34" charset="-128"/>
+              </a:defRPr>
+            </a:lvl7pPr>
+            <a:lvl8pPr marL="3428752" indent="-228584" defTabSz="990528" eaLnBrk="0" fontAlgn="base" hangingPunct="0">
+              <a:spcBef>
+                <a:spcPct val="30000"/>
+              </a:spcBef>
+              <a:spcAft>
+                <a:spcPct val="0"/>
+              </a:spcAft>
+              <a:defRPr sz="1200">
+                <a:solidFill>
+                  <a:schemeClr val="tx1"/>
+                </a:solidFill>
+                <a:latin typeface="Times New Roman" pitchFamily="18" charset="0"/>
+                <a:ea typeface="ＭＳ Ｐゴシック" pitchFamily="34" charset="-128"/>
+              </a:defRPr>
+            </a:lvl8pPr>
+            <a:lvl9pPr marL="3885919" indent="-228584" defTabSz="990528" eaLnBrk="0" fontAlgn="base" hangingPunct="0">
+              <a:spcBef>
+                <a:spcPct val="30000"/>
+              </a:spcBef>
+              <a:spcAft>
+                <a:spcPct val="0"/>
+              </a:spcAft>
+              <a:defRPr sz="1200">
+                <a:solidFill>
+                  <a:schemeClr val="tx1"/>
+                </a:solidFill>
+                <a:latin typeface="Times New Roman" pitchFamily="18" charset="0"/>
+                <a:ea typeface="ＭＳ Ｐゴシック" pitchFamily="34" charset="-128"/>
+              </a:defRPr>
+            </a:lvl9pPr>
+          </a:lstStyle>
+          <a:p>
+            <a:pPr eaLnBrk="1" hangingPunct="1">
+              <a:spcBef>
+                <a:spcPct val="0"/>
+              </a:spcBef>
+            </a:pPr>
+            <a:fld id="{392CB419-FA32-4238-A473-EBED58FF00DE}" type="slidenum">
+              <a:rPr lang="da-DK" altLang="da-DK" sz="1300">
+                <a:solidFill>
+                  <a:srgbClr val="CC0000"/>
+                </a:solidFill>
+              </a:rPr>
+              <a:pPr eaLnBrk="1" hangingPunct="1">
+                <a:spcBef>
+                  <a:spcPct val="0"/>
+                </a:spcBef>
+              </a:pPr>
+              <a:t>12</a:t>
+            </a:fld>
+            <a:endParaRPr lang="da-DK" altLang="da-DK" sz="1300">
+              <a:solidFill>
+                <a:srgbClr val="CC0000"/>
+              </a:solidFill>
+            </a:endParaRPr>
+          </a:p>
+        </p:txBody>
+      </p:sp>
+      <p:sp>
+        <p:nvSpPr>
+          <p:cNvPr id="22531" name="Rectangle 2"/>
+          <p:cNvSpPr>
+            <a:spLocks noGrp="1" noRot="1" noChangeAspect="1" noChangeArrowheads="1" noTextEdit="1"/>
+          </p:cNvSpPr>
+          <p:nvPr>
+            <p:ph type="sldImg"/>
+          </p:nvPr>
+        </p:nvSpPr>
+        <p:spPr>
+          <a:xfrm>
+            <a:off x="992188" y="768350"/>
+            <a:ext cx="5114925" cy="3836988"/>
+          </a:xfrm>
+          <a:ln/>
+        </p:spPr>
+      </p:sp>
+      <p:sp>
+        <p:nvSpPr>
+          <p:cNvPr id="22532" name="Rectangle 3"/>
+          <p:cNvSpPr>
+            <a:spLocks noGrp="1" noChangeArrowheads="1"/>
+          </p:cNvSpPr>
+          <p:nvPr>
+            <p:ph type="body" idx="1"/>
+          </p:nvPr>
+        </p:nvSpPr>
+        <p:spPr>
+          <a:noFill/>
+          <a:ln/>
+          <a:extLst>
+            <a:ext uri="{909E8E84-426E-40DD-AFC4-6F175D3DCCD1}">
+              <a14:hiddenFill xmlns:a14="http://schemas.microsoft.com/office/drawing/2010/main">
+                <a:solidFill>
+                  <a:srgbClr val="FFFFFF"/>
+                </a:solidFill>
+              </a14:hiddenFill>
+            </a:ext>
+            <a:ext uri="{91240B29-F687-4F45-9708-019B960494DF}">
+              <a14:hiddenLine xmlns:a14="http://schemas.microsoft.com/office/drawing/2010/main" w="9525">
+                <a:solidFill>
+                  <a:srgbClr val="000000"/>
+                </a:solidFill>
+                <a:miter lim="800000"/>
+                <a:headEnd/>
+                <a:tailEnd/>
+              </a14:hiddenLine>
+            </a:ext>
+          </a:extLst>
+        </p:spPr>
+        <p:txBody>
+          <a:bodyPr/>
+          <a:lstStyle/>
+          <a:p>
+            <a:pPr eaLnBrk="1" hangingPunct="1"/>
+            <a:endParaRPr lang="en-US" altLang="da-DK" smtClean="0">
+              <a:latin typeface="Times New Roman" pitchFamily="18" charset="0"/>
+              <a:ea typeface="ＭＳ Ｐゴシック" pitchFamily="34" charset="-128"/>
+            </a:endParaRPr>
+          </a:p>
+        </p:txBody>
+      </p:sp>
+    </p:spTree>
+    <p:extLst>
+      <p:ext uri="{BB962C8B-B14F-4D97-AF65-F5344CB8AC3E}">
         <p14:creationId xmlns:p14="http://schemas.microsoft.com/office/powerpoint/2010/main" val="2332812006"/>
       </p:ext>
     </p:extLst>
@@ -3128,7 +3686,7 @@
     </p:spTree>
     <p:extLst>
       <p:ext uri="{BB962C8B-B14F-4D97-AF65-F5344CB8AC3E}">
-        <p14:creationId xmlns:p14="http://schemas.microsoft.com/office/powerpoint/2010/main" val="1312808354"/>
+        <p14:creationId xmlns:p14="http://schemas.microsoft.com/office/powerpoint/2010/main" val="3774259064"/>
       </p:ext>
     </p:extLst>
   </p:cSld>
@@ -3405,7 +3963,7 @@
     </p:spTree>
     <p:extLst>
       <p:ext uri="{BB962C8B-B14F-4D97-AF65-F5344CB8AC3E}">
-        <p14:creationId xmlns:p14="http://schemas.microsoft.com/office/powerpoint/2010/main" val="697531377"/>
+        <p14:creationId xmlns:p14="http://schemas.microsoft.com/office/powerpoint/2010/main" val="1312808354"/>
       </p:ext>
     </p:extLst>
   </p:cSld>
@@ -3682,7 +4240,7 @@
     </p:spTree>
     <p:extLst>
       <p:ext uri="{BB962C8B-B14F-4D97-AF65-F5344CB8AC3E}">
-        <p14:creationId xmlns:p14="http://schemas.microsoft.com/office/powerpoint/2010/main" val="4098951095"/>
+        <p14:creationId xmlns:p14="http://schemas.microsoft.com/office/powerpoint/2010/main" val="1368746002"/>
       </p:ext>
     </p:extLst>
   </p:cSld>
@@ -3959,7 +4517,7 @@
     </p:spTree>
     <p:extLst>
       <p:ext uri="{BB962C8B-B14F-4D97-AF65-F5344CB8AC3E}">
-        <p14:creationId xmlns:p14="http://schemas.microsoft.com/office/powerpoint/2010/main" val="4022501094"/>
+        <p14:creationId xmlns:p14="http://schemas.microsoft.com/office/powerpoint/2010/main" val="697531377"/>
       </p:ext>
     </p:extLst>
   </p:cSld>
@@ -5885,13 +6443,8 @@
             </a:pPr>
             <a:r>
               <a:rPr lang="da-DK" sz="1800" dirty="0" smtClean="0"/>
-              <a:t>Program for </a:t>
-            </a:r>
-            <a:r>
-              <a:rPr lang="da-DK" sz="1800" dirty="0" smtClean="0"/>
-              <a:t>dagen (med cirka tider) </a:t>
-            </a:r>
-            <a:endParaRPr lang="da-DK" sz="1800" dirty="0" smtClean="0"/>
+              <a:t>Program for dagen </a:t>
+            </a:r>
           </a:p>
           <a:p>
             <a:pPr marL="742950" lvl="1" indent="-285750">
@@ -5935,13 +6488,19 @@
             </a:r>
             <a:r>
               <a:rPr lang="da-DK" sz="1600" dirty="0" smtClean="0"/>
-              <a:t>Præsentationsrunde og sammensætning af </a:t>
-            </a:r>
+              <a:t>Præsentationsrunde og sammensætning af programmeringspar</a:t>
+            </a:r>
+          </a:p>
+          <a:p>
+            <a:pPr marL="742950" lvl="1" indent="-285750">
+              <a:spcBef>
+                <a:spcPts val="600"/>
+              </a:spcBef>
+            </a:pPr>
             <a:r>
               <a:rPr lang="da-DK" sz="1600" dirty="0" smtClean="0"/>
-              <a:t>programmeringspar</a:t>
-            </a:r>
-            <a:endParaRPr lang="da-DK" sz="1600" dirty="0" smtClean="0"/>
+              <a:t>12.15 Check af BlueJ installation og mailopsætning</a:t>
+            </a:r>
           </a:p>
           <a:p>
             <a:pPr marL="742950" lvl="1" indent="-285750">
@@ -5951,45 +6510,18 @@
             </a:pPr>
             <a:r>
               <a:rPr lang="da-DK" sz="1600" dirty="0" smtClean="0"/>
-              <a:t>12.15 </a:t>
-            </a:r>
+              <a:t>12.30 Frokostpause</a:t>
+            </a:r>
+          </a:p>
+          <a:p>
+            <a:pPr marL="742950" lvl="1" indent="-285750">
+              <a:spcBef>
+                <a:spcPts val="600"/>
+              </a:spcBef>
+            </a:pPr>
             <a:r>
               <a:rPr lang="da-DK" sz="1600" dirty="0" smtClean="0"/>
-              <a:t>Frokostpause</a:t>
-            </a:r>
-          </a:p>
-          <a:p>
-            <a:pPr marL="742950" lvl="1" indent="-285750">
-              <a:spcBef>
-                <a:spcPts val="600"/>
-              </a:spcBef>
-            </a:pPr>
-            <a:r>
-              <a:rPr lang="da-DK" sz="1600" dirty="0" smtClean="0"/>
-              <a:t>13.00 </a:t>
-            </a:r>
-            <a:r>
-              <a:rPr lang="da-DK" sz="1600" dirty="0" smtClean="0"/>
-              <a:t>Forelæsning (med en pause midtvejs)</a:t>
-            </a:r>
-          </a:p>
-          <a:p>
-            <a:pPr marL="742950" lvl="1" indent="-285750">
-              <a:spcBef>
-                <a:spcPts val="600"/>
-              </a:spcBef>
-            </a:pPr>
-            <a:r>
-              <a:rPr lang="da-DK" sz="1600" dirty="0" smtClean="0"/>
-              <a:t>15.00 Pause (samt hjælp til </a:t>
-            </a:r>
-            <a:r>
-              <a:rPr lang="da-DK" sz="1600" dirty="0"/>
-              <a:t>BlueJ installation og </a:t>
-            </a:r>
-            <a:r>
-              <a:rPr lang="da-DK" sz="1600" dirty="0" smtClean="0"/>
-              <a:t>mailopsætning)</a:t>
+              <a:t>13.00 Forelæsning (med en pause midtvejs)</a:t>
             </a:r>
           </a:p>
           <a:p>
@@ -6109,7 +6641,7 @@
         <p:spPr bwMode="auto">
           <a:xfrm>
             <a:off x="611560" y="4397879"/>
-            <a:ext cx="5760639" cy="2265024"/>
+            <a:ext cx="5760639" cy="1839433"/>
           </a:xfrm>
           <a:prstGeom prst="rect">
             <a:avLst/>
@@ -6348,11 +6880,7 @@
             </a:r>
             <a:r>
               <a:rPr lang="en-US" sz="1600" dirty="0" smtClean="0"/>
-              <a:t> </a:t>
-            </a:r>
-            <a:r>
-              <a:rPr lang="en-US" sz="1600" dirty="0" smtClean="0"/>
-              <a:t>640 </a:t>
+              <a:t> 630 </a:t>
             </a:r>
             <a:r>
               <a:rPr lang="en-US" sz="1600" dirty="0" err="1" smtClean="0"/>
@@ -6732,6 +7260,1176 @@
             <a:pPr marL="271463" indent="-271463"/>
             <a:r>
               <a:rPr lang="da-DK" altLang="da-DK" sz="2800" dirty="0" smtClean="0"/>
+              <a:t>Frem mod næste seminar (fortsat)</a:t>
+            </a:r>
+            <a:endParaRPr lang="da-DK" altLang="da-DK" sz="2800" dirty="0"/>
+          </a:p>
+        </p:txBody>
+      </p:sp>
+      <p:sp>
+        <p:nvSpPr>
+          <p:cNvPr id="5" name="Content Placeholder 2"/>
+          <p:cNvSpPr txBox="1">
+            <a:spLocks/>
+          </p:cNvSpPr>
+          <p:nvPr/>
+        </p:nvSpPr>
+        <p:spPr bwMode="auto">
+          <a:xfrm>
+            <a:off x="539552" y="1124744"/>
+            <a:ext cx="8496944" cy="5733256"/>
+          </a:xfrm>
+          <a:prstGeom prst="rect">
+            <a:avLst/>
+          </a:prstGeom>
+          <a:noFill/>
+          <a:ln>
+            <a:noFill/>
+          </a:ln>
+          <a:extLst>
+            <a:ext uri="{909E8E84-426E-40DD-AFC4-6F175D3DCCD1}">
+              <a14:hiddenFill xmlns:a14="http://schemas.microsoft.com/office/drawing/2010/main">
+                <a:solidFill>
+                  <a:srgbClr val="FFFFFF"/>
+                </a:solidFill>
+              </a14:hiddenFill>
+            </a:ext>
+            <a:ext uri="{91240B29-F687-4F45-9708-019B960494DF}">
+              <a14:hiddenLine xmlns:a14="http://schemas.microsoft.com/office/drawing/2010/main" w="9525">
+                <a:solidFill>
+                  <a:srgbClr val="000000"/>
+                </a:solidFill>
+                <a:miter lim="800000"/>
+                <a:headEnd/>
+                <a:tailEnd/>
+              </a14:hiddenLine>
+            </a:ext>
+          </a:extLst>
+        </p:spPr>
+        <p:txBody>
+          <a:bodyPr/>
+          <a:lstStyle>
+            <a:lvl1pPr eaLnBrk="0" hangingPunct="0">
+              <a:spcBef>
+                <a:spcPct val="20000"/>
+              </a:spcBef>
+              <a:buChar char="•"/>
+              <a:defRPr sz="2400" b="1">
+                <a:solidFill>
+                  <a:srgbClr val="A50021"/>
+                </a:solidFill>
+                <a:latin typeface="Arial" pitchFamily="34" charset="0"/>
+                <a:ea typeface="ＭＳ Ｐゴシック" pitchFamily="34" charset="-128"/>
+              </a:defRPr>
+            </a:lvl1pPr>
+            <a:lvl2pPr eaLnBrk="0" hangingPunct="0">
+              <a:spcBef>
+                <a:spcPct val="20000"/>
+              </a:spcBef>
+              <a:buChar char="–"/>
+              <a:defRPr sz="2000">
+                <a:solidFill>
+                  <a:srgbClr val="000066"/>
+                </a:solidFill>
+                <a:latin typeface="Arial" pitchFamily="34" charset="0"/>
+                <a:ea typeface="ＭＳ Ｐゴシック" pitchFamily="34" charset="-128"/>
+              </a:defRPr>
+            </a:lvl2pPr>
+            <a:lvl3pPr eaLnBrk="0" hangingPunct="0">
+              <a:spcBef>
+                <a:spcPct val="20000"/>
+              </a:spcBef>
+              <a:buChar char="•"/>
+              <a:defRPr sz="1600">
+                <a:solidFill>
+                  <a:schemeClr val="tx1"/>
+                </a:solidFill>
+                <a:latin typeface="Arial" pitchFamily="34" charset="0"/>
+                <a:ea typeface="ＭＳ Ｐゴシック" pitchFamily="34" charset="-128"/>
+              </a:defRPr>
+            </a:lvl3pPr>
+            <a:lvl4pPr eaLnBrk="0" hangingPunct="0">
+              <a:spcBef>
+                <a:spcPct val="20000"/>
+              </a:spcBef>
+              <a:buChar char="–"/>
+              <a:defRPr sz="1600">
+                <a:solidFill>
+                  <a:schemeClr val="tx1"/>
+                </a:solidFill>
+                <a:latin typeface="Times New Roman" pitchFamily="18" charset="0"/>
+                <a:ea typeface="ＭＳ Ｐゴシック" pitchFamily="34" charset="-128"/>
+              </a:defRPr>
+            </a:lvl4pPr>
+            <a:lvl5pPr eaLnBrk="0" hangingPunct="0">
+              <a:spcBef>
+                <a:spcPct val="20000"/>
+              </a:spcBef>
+              <a:buChar char="»"/>
+              <a:defRPr sz="1200">
+                <a:solidFill>
+                  <a:schemeClr val="tx1"/>
+                </a:solidFill>
+                <a:latin typeface="Times New Roman" pitchFamily="18" charset="0"/>
+                <a:ea typeface="ＭＳ Ｐゴシック" pitchFamily="34" charset="-128"/>
+              </a:defRPr>
+            </a:lvl5pPr>
+            <a:lvl6pPr eaLnBrk="0" fontAlgn="base" hangingPunct="0">
+              <a:spcBef>
+                <a:spcPct val="20000"/>
+              </a:spcBef>
+              <a:spcAft>
+                <a:spcPct val="0"/>
+              </a:spcAft>
+              <a:buChar char="»"/>
+              <a:defRPr sz="1200">
+                <a:solidFill>
+                  <a:schemeClr val="tx1"/>
+                </a:solidFill>
+                <a:latin typeface="Times New Roman" pitchFamily="18" charset="0"/>
+                <a:ea typeface="ＭＳ Ｐゴシック" pitchFamily="34" charset="-128"/>
+              </a:defRPr>
+            </a:lvl6pPr>
+            <a:lvl7pPr eaLnBrk="0" fontAlgn="base" hangingPunct="0">
+              <a:spcBef>
+                <a:spcPct val="20000"/>
+              </a:spcBef>
+              <a:spcAft>
+                <a:spcPct val="0"/>
+              </a:spcAft>
+              <a:buChar char="»"/>
+              <a:defRPr sz="1200">
+                <a:solidFill>
+                  <a:schemeClr val="tx1"/>
+                </a:solidFill>
+                <a:latin typeface="Times New Roman" pitchFamily="18" charset="0"/>
+                <a:ea typeface="ＭＳ Ｐゴシック" pitchFamily="34" charset="-128"/>
+              </a:defRPr>
+            </a:lvl7pPr>
+            <a:lvl8pPr eaLnBrk="0" fontAlgn="base" hangingPunct="0">
+              <a:spcBef>
+                <a:spcPct val="20000"/>
+              </a:spcBef>
+              <a:spcAft>
+                <a:spcPct val="0"/>
+              </a:spcAft>
+              <a:buChar char="»"/>
+              <a:defRPr sz="1200">
+                <a:solidFill>
+                  <a:schemeClr val="tx1"/>
+                </a:solidFill>
+                <a:latin typeface="Times New Roman" pitchFamily="18" charset="0"/>
+                <a:ea typeface="ＭＳ Ｐゴシック" pitchFamily="34" charset="-128"/>
+              </a:defRPr>
+            </a:lvl8pPr>
+            <a:lvl9pPr eaLnBrk="0" fontAlgn="base" hangingPunct="0">
+              <a:spcBef>
+                <a:spcPct val="20000"/>
+              </a:spcBef>
+              <a:spcAft>
+                <a:spcPct val="0"/>
+              </a:spcAft>
+              <a:buChar char="»"/>
+              <a:defRPr sz="1200">
+                <a:solidFill>
+                  <a:schemeClr val="tx1"/>
+                </a:solidFill>
+                <a:latin typeface="Times New Roman" pitchFamily="18" charset="0"/>
+                <a:ea typeface="ＭＳ Ｐゴシック" pitchFamily="34" charset="-128"/>
+              </a:defRPr>
+            </a:lvl9pPr>
+          </a:lstStyle>
+          <a:p>
+            <a:pPr marL="271463" lvl="1" indent="-271463">
+              <a:spcBef>
+                <a:spcPts val="1200"/>
+              </a:spcBef>
+              <a:buFontTx/>
+              <a:buChar char="•"/>
+            </a:pPr>
+            <a:r>
+              <a:rPr lang="da-DK" altLang="da-DK" sz="1800" b="1" spc="-40" dirty="0" smtClean="0">
+                <a:solidFill>
+                  <a:srgbClr val="A50021"/>
+                </a:solidFill>
+              </a:rPr>
+              <a:t>Diskussionsforummet</a:t>
+            </a:r>
+            <a:endParaRPr lang="da-DK" altLang="da-DK" sz="1800" b="1" spc="-40" dirty="0">
+              <a:solidFill>
+                <a:srgbClr val="A50021"/>
+              </a:solidFill>
+            </a:endParaRPr>
+          </a:p>
+          <a:p>
+            <a:pPr marL="742950" lvl="1" indent="-285750">
+              <a:spcBef>
+                <a:spcPts val="600"/>
+              </a:spcBef>
+              <a:buFontTx/>
+              <a:buChar char="–"/>
+            </a:pPr>
+            <a:r>
+              <a:rPr lang="da-DK" altLang="da-DK" sz="1600" spc="-70" dirty="0" smtClean="0"/>
+              <a:t>Husk at bruge diskussionsforummet – der får I hurtigt svar (også om aftenen og i weekender)</a:t>
+            </a:r>
+          </a:p>
+          <a:p>
+            <a:pPr marL="742950" lvl="1" indent="-285750">
+              <a:spcBef>
+                <a:spcPts val="600"/>
+              </a:spcBef>
+              <a:buFontTx/>
+              <a:buChar char="–"/>
+            </a:pPr>
+            <a:r>
+              <a:rPr lang="da-DK" altLang="da-DK" sz="1600" dirty="0" smtClean="0"/>
+              <a:t>Vi vil nødigt have mails fra jer (med mindre det er om ting, der ikke vedrører andre)</a:t>
+            </a:r>
+          </a:p>
+          <a:p>
+            <a:pPr lvl="1">
+              <a:spcBef>
+                <a:spcPts val="600"/>
+              </a:spcBef>
+              <a:buNone/>
+            </a:pPr>
+            <a:endParaRPr lang="da-DK" altLang="da-DK" sz="1600" dirty="0" smtClean="0"/>
+          </a:p>
+          <a:p>
+            <a:pPr marL="271463" lvl="1" indent="-271463">
+              <a:spcBef>
+                <a:spcPts val="1200"/>
+              </a:spcBef>
+              <a:buFontTx/>
+              <a:buChar char="•"/>
+            </a:pPr>
+            <a:r>
+              <a:rPr lang="da-DK" altLang="da-DK" sz="1800" b="1" spc="-40" dirty="0">
+                <a:solidFill>
+                  <a:srgbClr val="A50021"/>
+                </a:solidFill>
+              </a:rPr>
+              <a:t>Hvis I ønsker </a:t>
+            </a:r>
+            <a:r>
+              <a:rPr lang="da-DK" altLang="da-DK" sz="1800" b="1" spc="-40" dirty="0" smtClean="0">
+                <a:solidFill>
+                  <a:srgbClr val="A50021"/>
+                </a:solidFill>
+              </a:rPr>
+              <a:t>det, kan </a:t>
+            </a:r>
+            <a:r>
+              <a:rPr lang="da-DK" altLang="da-DK" sz="1800" b="1" spc="-40" dirty="0">
+                <a:solidFill>
+                  <a:srgbClr val="A50021"/>
+                </a:solidFill>
+              </a:rPr>
+              <a:t>I arbejde sammen med </a:t>
+            </a:r>
+            <a:r>
+              <a:rPr lang="da-DK" altLang="da-DK" sz="1800" b="1" spc="-40" dirty="0" smtClean="0">
+                <a:solidFill>
+                  <a:srgbClr val="A50021"/>
+                </a:solidFill>
+              </a:rPr>
+              <a:t>jeres </a:t>
+            </a:r>
+            <a:r>
+              <a:rPr lang="da-DK" altLang="da-DK" sz="1800" b="1" spc="-40" dirty="0">
+                <a:solidFill>
+                  <a:srgbClr val="A50021"/>
+                </a:solidFill>
+              </a:rPr>
+              <a:t>makker via Zoom</a:t>
+            </a:r>
+          </a:p>
+          <a:p>
+            <a:pPr marL="742950" lvl="1" indent="-285750">
+              <a:spcBef>
+                <a:spcPts val="600"/>
+              </a:spcBef>
+            </a:pPr>
+            <a:r>
+              <a:rPr lang="da-DK" altLang="da-DK" sz="1600" dirty="0" smtClean="0"/>
+              <a:t>På siden ”Installation og brug af Zoom” under ”Info om kurset (inklusiv nyttige links)” </a:t>
+            </a:r>
+            <a:r>
+              <a:rPr lang="da-DK" altLang="da-DK" sz="1600" dirty="0"/>
+              <a:t>er det </a:t>
+            </a:r>
+            <a:r>
+              <a:rPr lang="da-DK" altLang="da-DK" sz="1600" dirty="0" smtClean="0"/>
+              <a:t>forklaret, </a:t>
+            </a:r>
+            <a:r>
+              <a:rPr lang="da-DK" altLang="da-DK" sz="1600" dirty="0"/>
+              <a:t>hvordan man selv laver et </a:t>
+            </a:r>
+            <a:r>
+              <a:rPr lang="da-DK" altLang="da-DK" sz="1600" dirty="0" smtClean="0"/>
+              <a:t>møde</a:t>
+            </a:r>
+          </a:p>
+          <a:p>
+            <a:pPr lvl="1">
+              <a:spcBef>
+                <a:spcPts val="600"/>
+              </a:spcBef>
+              <a:buNone/>
+            </a:pPr>
+            <a:endParaRPr lang="da-DK" altLang="da-DK" sz="1600" dirty="0" smtClean="0"/>
+          </a:p>
+          <a:p>
+            <a:pPr marL="271463" lvl="1" indent="-271463">
+              <a:spcBef>
+                <a:spcPts val="1200"/>
+              </a:spcBef>
+              <a:buFontTx/>
+              <a:buChar char="•"/>
+            </a:pPr>
+            <a:r>
+              <a:rPr lang="da-DK" altLang="da-DK" sz="1800" b="1" spc="-40" dirty="0">
+                <a:solidFill>
+                  <a:srgbClr val="A50021"/>
+                </a:solidFill>
+              </a:rPr>
+              <a:t>Testserveren husker jeres adgangskode og </a:t>
+            </a:r>
+            <a:r>
+              <a:rPr lang="da-DK" altLang="da-DK" sz="1800" b="1" spc="-40" dirty="0" smtClean="0">
+                <a:solidFill>
+                  <a:srgbClr val="A50021"/>
+                </a:solidFill>
+              </a:rPr>
+              <a:t>password fra gang til gang</a:t>
+            </a:r>
+            <a:endParaRPr lang="da-DK" altLang="da-DK" sz="1800" b="1" spc="-40" dirty="0">
+              <a:solidFill>
+                <a:srgbClr val="A50021"/>
+              </a:solidFill>
+            </a:endParaRPr>
+          </a:p>
+          <a:p>
+            <a:pPr marL="742950" lvl="1" indent="-285750">
+              <a:spcBef>
+                <a:spcPts val="600"/>
+              </a:spcBef>
+            </a:pPr>
+            <a:r>
+              <a:rPr lang="da-DK" altLang="da-DK" sz="1600" dirty="0" smtClean="0"/>
+              <a:t>Hvis I sender et projekt til jeres makker, bør denne fjerne filen upload-data.dat (der ligger i mappen for det enkelte BlueJ projekt), således at der køres under det rigtige navn</a:t>
+            </a:r>
+            <a:endParaRPr lang="da-DK" altLang="da-DK" sz="1600" dirty="0"/>
+          </a:p>
+          <a:p>
+            <a:pPr marL="742950" lvl="1" indent="-285750">
+              <a:spcBef>
+                <a:spcPts val="600"/>
+              </a:spcBef>
+              <a:buFontTx/>
+              <a:buChar char="–"/>
+            </a:pPr>
+            <a:endParaRPr lang="da-DK" altLang="da-DK" sz="1600" dirty="0"/>
+          </a:p>
+        </p:txBody>
+      </p:sp>
+    </p:spTree>
+    <p:extLst>
+      <p:ext uri="{BB962C8B-B14F-4D97-AF65-F5344CB8AC3E}">
+        <p14:creationId xmlns:p14="http://schemas.microsoft.com/office/powerpoint/2010/main" val="1889185276"/>
+      </p:ext>
+    </p:extLst>
+  </p:cSld>
+  <p:clrMapOvr>
+    <a:masterClrMapping/>
+  </p:clrMapOvr>
+  <p:timing>
+    <p:tnLst>
+      <p:par>
+        <p:cTn id="1" dur="indefinite" restart="never" nodeType="tmRoot"/>
+      </p:par>
+    </p:tnLst>
+  </p:timing>
+</p:sld>
+</file>
+
+<file path=ppt/slides/slide11.xml><?xml version="1.0" encoding="utf-8"?>
+<p:sld xmlns:a="http://schemas.openxmlformats.org/drawingml/2006/main" xmlns:r="http://schemas.openxmlformats.org/officeDocument/2006/relationships" xmlns:p="http://schemas.openxmlformats.org/presentationml/2006/main">
+  <p:cSld>
+    <p:spTree>
+      <p:nvGrpSpPr>
+        <p:cNvPr id="1" name=""/>
+        <p:cNvGrpSpPr/>
+        <p:nvPr/>
+      </p:nvGrpSpPr>
+      <p:grpSpPr>
+        <a:xfrm>
+          <a:off x="0" y="0"/>
+          <a:ext cx="0" cy="0"/>
+          <a:chOff x="0" y="0"/>
+          <a:chExt cx="0" cy="0"/>
+        </a:xfrm>
+      </p:grpSpPr>
+      <p:sp>
+        <p:nvSpPr>
+          <p:cNvPr id="4" name="Title 1"/>
+          <p:cNvSpPr txBox="1">
+            <a:spLocks/>
+          </p:cNvSpPr>
+          <p:nvPr/>
+        </p:nvSpPr>
+        <p:spPr bwMode="auto">
+          <a:xfrm>
+            <a:off x="459225" y="260349"/>
+            <a:ext cx="8505263" cy="682625"/>
+          </a:xfrm>
+          <a:prstGeom prst="rect">
+            <a:avLst/>
+          </a:prstGeom>
+          <a:noFill/>
+          <a:ln>
+            <a:noFill/>
+          </a:ln>
+          <a:extLst>
+            <a:ext uri="{909E8E84-426E-40DD-AFC4-6F175D3DCCD1}">
+              <a14:hiddenFill xmlns:a14="http://schemas.microsoft.com/office/drawing/2010/main">
+                <a:solidFill>
+                  <a:srgbClr val="FFFFFF"/>
+                </a:solidFill>
+              </a14:hiddenFill>
+            </a:ext>
+            <a:ext uri="{91240B29-F687-4F45-9708-019B960494DF}">
+              <a14:hiddenLine xmlns:a14="http://schemas.microsoft.com/office/drawing/2010/main" w="9525">
+                <a:solidFill>
+                  <a:srgbClr val="000000"/>
+                </a:solidFill>
+                <a:miter lim="800000"/>
+                <a:headEnd/>
+                <a:tailEnd/>
+              </a14:hiddenLine>
+            </a:ext>
+          </a:extLst>
+        </p:spPr>
+        <p:txBody>
+          <a:bodyPr anchor="ctr"/>
+          <a:lstStyle>
+            <a:lvl1pPr algn="l" rtl="0" eaLnBrk="0" fontAlgn="base" hangingPunct="0">
+              <a:spcBef>
+                <a:spcPct val="0"/>
+              </a:spcBef>
+              <a:spcAft>
+                <a:spcPct val="0"/>
+              </a:spcAft>
+              <a:defRPr sz="3600" b="1">
+                <a:solidFill>
+                  <a:srgbClr val="000066"/>
+                </a:solidFill>
+                <a:latin typeface="+mj-lt"/>
+                <a:ea typeface="ＭＳ Ｐゴシック" pitchFamily="-107" charset="-128"/>
+                <a:cs typeface="ＭＳ Ｐゴシック" pitchFamily="-107" charset="-128"/>
+              </a:defRPr>
+            </a:lvl1pPr>
+            <a:lvl2pPr algn="l" rtl="0" eaLnBrk="0" fontAlgn="base" hangingPunct="0">
+              <a:spcBef>
+                <a:spcPct val="0"/>
+              </a:spcBef>
+              <a:spcAft>
+                <a:spcPct val="0"/>
+              </a:spcAft>
+              <a:defRPr sz="3600" b="1">
+                <a:solidFill>
+                  <a:srgbClr val="000066"/>
+                </a:solidFill>
+                <a:latin typeface="Arial" charset="0"/>
+                <a:ea typeface="ＭＳ Ｐゴシック" pitchFamily="-107" charset="-128"/>
+                <a:cs typeface="ＭＳ Ｐゴシック" pitchFamily="-107" charset="-128"/>
+              </a:defRPr>
+            </a:lvl2pPr>
+            <a:lvl3pPr algn="l" rtl="0" eaLnBrk="0" fontAlgn="base" hangingPunct="0">
+              <a:spcBef>
+                <a:spcPct val="0"/>
+              </a:spcBef>
+              <a:spcAft>
+                <a:spcPct val="0"/>
+              </a:spcAft>
+              <a:defRPr sz="3600" b="1">
+                <a:solidFill>
+                  <a:srgbClr val="000066"/>
+                </a:solidFill>
+                <a:latin typeface="Arial" charset="0"/>
+                <a:ea typeface="ＭＳ Ｐゴシック" pitchFamily="-107" charset="-128"/>
+                <a:cs typeface="ＭＳ Ｐゴシック" pitchFamily="-107" charset="-128"/>
+              </a:defRPr>
+            </a:lvl3pPr>
+            <a:lvl4pPr algn="l" rtl="0" eaLnBrk="0" fontAlgn="base" hangingPunct="0">
+              <a:spcBef>
+                <a:spcPct val="0"/>
+              </a:spcBef>
+              <a:spcAft>
+                <a:spcPct val="0"/>
+              </a:spcAft>
+              <a:defRPr sz="3600" b="1">
+                <a:solidFill>
+                  <a:srgbClr val="000066"/>
+                </a:solidFill>
+                <a:latin typeface="Arial" charset="0"/>
+                <a:ea typeface="ＭＳ Ｐゴシック" pitchFamily="-107" charset="-128"/>
+                <a:cs typeface="ＭＳ Ｐゴシック" pitchFamily="-107" charset="-128"/>
+              </a:defRPr>
+            </a:lvl4pPr>
+            <a:lvl5pPr algn="l" rtl="0" eaLnBrk="0" fontAlgn="base" hangingPunct="0">
+              <a:spcBef>
+                <a:spcPct val="0"/>
+              </a:spcBef>
+              <a:spcAft>
+                <a:spcPct val="0"/>
+              </a:spcAft>
+              <a:defRPr sz="3600" b="1">
+                <a:solidFill>
+                  <a:srgbClr val="000066"/>
+                </a:solidFill>
+                <a:latin typeface="Arial" charset="0"/>
+                <a:ea typeface="ＭＳ Ｐゴシック" pitchFamily="-107" charset="-128"/>
+                <a:cs typeface="ＭＳ Ｐゴシック" pitchFamily="-107" charset="-128"/>
+              </a:defRPr>
+            </a:lvl5pPr>
+            <a:lvl6pPr marL="457200" algn="l" rtl="0" fontAlgn="base">
+              <a:spcBef>
+                <a:spcPct val="0"/>
+              </a:spcBef>
+              <a:spcAft>
+                <a:spcPct val="0"/>
+              </a:spcAft>
+              <a:defRPr sz="3600" b="1">
+                <a:solidFill>
+                  <a:srgbClr val="000066"/>
+                </a:solidFill>
+                <a:latin typeface="Arial" charset="0"/>
+              </a:defRPr>
+            </a:lvl6pPr>
+            <a:lvl7pPr marL="914400" algn="l" rtl="0" fontAlgn="base">
+              <a:spcBef>
+                <a:spcPct val="0"/>
+              </a:spcBef>
+              <a:spcAft>
+                <a:spcPct val="0"/>
+              </a:spcAft>
+              <a:defRPr sz="3600" b="1">
+                <a:solidFill>
+                  <a:srgbClr val="000066"/>
+                </a:solidFill>
+                <a:latin typeface="Arial" charset="0"/>
+              </a:defRPr>
+            </a:lvl7pPr>
+            <a:lvl8pPr marL="1371600" algn="l" rtl="0" fontAlgn="base">
+              <a:spcBef>
+                <a:spcPct val="0"/>
+              </a:spcBef>
+              <a:spcAft>
+                <a:spcPct val="0"/>
+              </a:spcAft>
+              <a:defRPr sz="3600" b="1">
+                <a:solidFill>
+                  <a:srgbClr val="000066"/>
+                </a:solidFill>
+                <a:latin typeface="Arial" charset="0"/>
+              </a:defRPr>
+            </a:lvl8pPr>
+            <a:lvl9pPr marL="1828800" algn="l" rtl="0" fontAlgn="base">
+              <a:spcBef>
+                <a:spcPct val="0"/>
+              </a:spcBef>
+              <a:spcAft>
+                <a:spcPct val="0"/>
+              </a:spcAft>
+              <a:defRPr sz="3600" b="1">
+                <a:solidFill>
+                  <a:srgbClr val="000066"/>
+                </a:solidFill>
+                <a:latin typeface="Arial" charset="0"/>
+              </a:defRPr>
+            </a:lvl9pPr>
+          </a:lstStyle>
+          <a:p>
+            <a:pPr marL="271463" indent="-271463"/>
+            <a:r>
+              <a:rPr lang="da-DK" altLang="da-DK" sz="2800" dirty="0" smtClean="0"/>
+              <a:t>Virtuel studiecafé</a:t>
+            </a:r>
+            <a:endParaRPr lang="da-DK" altLang="da-DK" sz="2800" dirty="0"/>
+          </a:p>
+        </p:txBody>
+      </p:sp>
+      <p:sp>
+        <p:nvSpPr>
+          <p:cNvPr id="5" name="Content Placeholder 2"/>
+          <p:cNvSpPr txBox="1">
+            <a:spLocks/>
+          </p:cNvSpPr>
+          <p:nvPr/>
+        </p:nvSpPr>
+        <p:spPr bwMode="auto">
+          <a:xfrm>
+            <a:off x="607400" y="1124744"/>
+            <a:ext cx="8496944" cy="5733256"/>
+          </a:xfrm>
+          <a:prstGeom prst="rect">
+            <a:avLst/>
+          </a:prstGeom>
+          <a:noFill/>
+          <a:ln>
+            <a:noFill/>
+          </a:ln>
+          <a:extLst>
+            <a:ext uri="{909E8E84-426E-40DD-AFC4-6F175D3DCCD1}">
+              <a14:hiddenFill xmlns:a14="http://schemas.microsoft.com/office/drawing/2010/main">
+                <a:solidFill>
+                  <a:srgbClr val="FFFFFF"/>
+                </a:solidFill>
+              </a14:hiddenFill>
+            </a:ext>
+            <a:ext uri="{91240B29-F687-4F45-9708-019B960494DF}">
+              <a14:hiddenLine xmlns:a14="http://schemas.microsoft.com/office/drawing/2010/main" w="9525">
+                <a:solidFill>
+                  <a:srgbClr val="000000"/>
+                </a:solidFill>
+                <a:miter lim="800000"/>
+                <a:headEnd/>
+                <a:tailEnd/>
+              </a14:hiddenLine>
+            </a:ext>
+          </a:extLst>
+        </p:spPr>
+        <p:txBody>
+          <a:bodyPr/>
+          <a:lstStyle>
+            <a:lvl1pPr eaLnBrk="0" hangingPunct="0">
+              <a:spcBef>
+                <a:spcPct val="20000"/>
+              </a:spcBef>
+              <a:buChar char="•"/>
+              <a:defRPr sz="2400" b="1">
+                <a:solidFill>
+                  <a:srgbClr val="A50021"/>
+                </a:solidFill>
+                <a:latin typeface="Arial" pitchFamily="34" charset="0"/>
+                <a:ea typeface="ＭＳ Ｐゴシック" pitchFamily="34" charset="-128"/>
+              </a:defRPr>
+            </a:lvl1pPr>
+            <a:lvl2pPr eaLnBrk="0" hangingPunct="0">
+              <a:spcBef>
+                <a:spcPct val="20000"/>
+              </a:spcBef>
+              <a:buChar char="–"/>
+              <a:defRPr sz="2000">
+                <a:solidFill>
+                  <a:srgbClr val="000066"/>
+                </a:solidFill>
+                <a:latin typeface="Arial" pitchFamily="34" charset="0"/>
+                <a:ea typeface="ＭＳ Ｐゴシック" pitchFamily="34" charset="-128"/>
+              </a:defRPr>
+            </a:lvl2pPr>
+            <a:lvl3pPr eaLnBrk="0" hangingPunct="0">
+              <a:spcBef>
+                <a:spcPct val="20000"/>
+              </a:spcBef>
+              <a:buChar char="•"/>
+              <a:defRPr sz="1600">
+                <a:solidFill>
+                  <a:schemeClr val="tx1"/>
+                </a:solidFill>
+                <a:latin typeface="Arial" pitchFamily="34" charset="0"/>
+                <a:ea typeface="ＭＳ Ｐゴシック" pitchFamily="34" charset="-128"/>
+              </a:defRPr>
+            </a:lvl3pPr>
+            <a:lvl4pPr eaLnBrk="0" hangingPunct="0">
+              <a:spcBef>
+                <a:spcPct val="20000"/>
+              </a:spcBef>
+              <a:buChar char="–"/>
+              <a:defRPr sz="1600">
+                <a:solidFill>
+                  <a:schemeClr val="tx1"/>
+                </a:solidFill>
+                <a:latin typeface="Times New Roman" pitchFamily="18" charset="0"/>
+                <a:ea typeface="ＭＳ Ｐゴシック" pitchFamily="34" charset="-128"/>
+              </a:defRPr>
+            </a:lvl4pPr>
+            <a:lvl5pPr eaLnBrk="0" hangingPunct="0">
+              <a:spcBef>
+                <a:spcPct val="20000"/>
+              </a:spcBef>
+              <a:buChar char="»"/>
+              <a:defRPr sz="1200">
+                <a:solidFill>
+                  <a:schemeClr val="tx1"/>
+                </a:solidFill>
+                <a:latin typeface="Times New Roman" pitchFamily="18" charset="0"/>
+                <a:ea typeface="ＭＳ Ｐゴシック" pitchFamily="34" charset="-128"/>
+              </a:defRPr>
+            </a:lvl5pPr>
+            <a:lvl6pPr eaLnBrk="0" fontAlgn="base" hangingPunct="0">
+              <a:spcBef>
+                <a:spcPct val="20000"/>
+              </a:spcBef>
+              <a:spcAft>
+                <a:spcPct val="0"/>
+              </a:spcAft>
+              <a:buChar char="»"/>
+              <a:defRPr sz="1200">
+                <a:solidFill>
+                  <a:schemeClr val="tx1"/>
+                </a:solidFill>
+                <a:latin typeface="Times New Roman" pitchFamily="18" charset="0"/>
+                <a:ea typeface="ＭＳ Ｐゴシック" pitchFamily="34" charset="-128"/>
+              </a:defRPr>
+            </a:lvl6pPr>
+            <a:lvl7pPr eaLnBrk="0" fontAlgn="base" hangingPunct="0">
+              <a:spcBef>
+                <a:spcPct val="20000"/>
+              </a:spcBef>
+              <a:spcAft>
+                <a:spcPct val="0"/>
+              </a:spcAft>
+              <a:buChar char="»"/>
+              <a:defRPr sz="1200">
+                <a:solidFill>
+                  <a:schemeClr val="tx1"/>
+                </a:solidFill>
+                <a:latin typeface="Times New Roman" pitchFamily="18" charset="0"/>
+                <a:ea typeface="ＭＳ Ｐゴシック" pitchFamily="34" charset="-128"/>
+              </a:defRPr>
+            </a:lvl7pPr>
+            <a:lvl8pPr eaLnBrk="0" fontAlgn="base" hangingPunct="0">
+              <a:spcBef>
+                <a:spcPct val="20000"/>
+              </a:spcBef>
+              <a:spcAft>
+                <a:spcPct val="0"/>
+              </a:spcAft>
+              <a:buChar char="»"/>
+              <a:defRPr sz="1200">
+                <a:solidFill>
+                  <a:schemeClr val="tx1"/>
+                </a:solidFill>
+                <a:latin typeface="Times New Roman" pitchFamily="18" charset="0"/>
+                <a:ea typeface="ＭＳ Ｐゴシック" pitchFamily="34" charset="-128"/>
+              </a:defRPr>
+            </a:lvl8pPr>
+            <a:lvl9pPr eaLnBrk="0" fontAlgn="base" hangingPunct="0">
+              <a:spcBef>
+                <a:spcPct val="20000"/>
+              </a:spcBef>
+              <a:spcAft>
+                <a:spcPct val="0"/>
+              </a:spcAft>
+              <a:buChar char="»"/>
+              <a:defRPr sz="1200">
+                <a:solidFill>
+                  <a:schemeClr val="tx1"/>
+                </a:solidFill>
+                <a:latin typeface="Times New Roman" pitchFamily="18" charset="0"/>
+                <a:ea typeface="ＭＳ Ｐゴシック" pitchFamily="34" charset="-128"/>
+              </a:defRPr>
+            </a:lvl9pPr>
+          </a:lstStyle>
+          <a:p>
+            <a:pPr marL="271463" lvl="1" indent="-271463">
+              <a:spcBef>
+                <a:spcPts val="1800"/>
+              </a:spcBef>
+              <a:buFontTx/>
+              <a:buChar char="•"/>
+            </a:pPr>
+            <a:r>
+              <a:rPr lang="da-DK" sz="1800" b="1" spc="-40" dirty="0" smtClean="0">
+                <a:solidFill>
+                  <a:srgbClr val="A50021"/>
+                </a:solidFill>
+              </a:rPr>
+              <a:t>De </a:t>
+            </a:r>
+            <a:r>
+              <a:rPr lang="da-DK" sz="1800" b="1" spc="-40" dirty="0">
+                <a:solidFill>
+                  <a:srgbClr val="A50021"/>
+                </a:solidFill>
+              </a:rPr>
+              <a:t>fredage, hvor der ikke er heldagsseminarer vil der være en virtuel studiecafé, hvor I via Zoom kan få hjælp fra en af instruktorerne.</a:t>
+            </a:r>
+          </a:p>
+          <a:p>
+            <a:pPr marL="742950" lvl="1" indent="-285750">
+              <a:spcBef>
+                <a:spcPts val="600"/>
+              </a:spcBef>
+            </a:pPr>
+            <a:r>
+              <a:rPr lang="da-DK" sz="1600" dirty="0"/>
+              <a:t>I finder et link til det Zoom møderum, der bruges, ved at trykke på Zoom indgangen i den vanderette blå bjælke øverst på denne side. </a:t>
+            </a:r>
+          </a:p>
+          <a:p>
+            <a:pPr marL="742950" lvl="1" indent="-285750">
+              <a:spcBef>
+                <a:spcPts val="600"/>
+              </a:spcBef>
+            </a:pPr>
+            <a:r>
+              <a:rPr lang="da-DK" sz="1600" dirty="0" smtClean="0"/>
+              <a:t>Bemærk</a:t>
+            </a:r>
+            <a:r>
+              <a:rPr lang="da-DK" sz="1600" dirty="0"/>
+              <a:t>, at I SKAL logge på AU’s Zoom installation, som beskrevet i vejledningens punkt 2. I skal altid logge ind ved at trykke på </a:t>
+            </a:r>
+            <a:r>
+              <a:rPr lang="da-DK" sz="1600" dirty="0" err="1"/>
+              <a:t>SSO</a:t>
+            </a:r>
+            <a:r>
+              <a:rPr lang="da-DK" sz="1600" dirty="0"/>
+              <a:t>-knappen.</a:t>
+            </a:r>
+          </a:p>
+          <a:p>
+            <a:pPr marL="742950" lvl="1" indent="-285750">
+              <a:spcBef>
+                <a:spcPts val="600"/>
+              </a:spcBef>
+            </a:pPr>
+            <a:r>
+              <a:rPr lang="da-DK" sz="1600" dirty="0"/>
+              <a:t>Man skal ikke tilmeldes. I dukker blot op på Zoom, hvis I ønsker at deltage.</a:t>
+            </a:r>
+          </a:p>
+          <a:p>
+            <a:pPr marL="742950" lvl="1" indent="-285750">
+              <a:spcBef>
+                <a:spcPts val="600"/>
+              </a:spcBef>
+            </a:pPr>
+            <a:r>
+              <a:rPr lang="da-DK" sz="1600" smtClean="0"/>
+              <a:t>Vi </a:t>
+            </a:r>
+            <a:r>
+              <a:rPr lang="da-DK" sz="1600" dirty="0" smtClean="0"/>
+              <a:t>starter kl. 15.30 og fortsætter frem til ca. 17.00</a:t>
+            </a:r>
+          </a:p>
+          <a:p>
+            <a:pPr marL="742950" lvl="1" indent="-285750">
+              <a:spcBef>
+                <a:spcPts val="600"/>
+              </a:spcBef>
+            </a:pPr>
+            <a:r>
+              <a:rPr lang="da-DK" sz="1600" dirty="0" smtClean="0"/>
+              <a:t>Kom </a:t>
+            </a:r>
+            <a:r>
+              <a:rPr lang="da-DK" sz="1600" dirty="0"/>
+              <a:t>så tidligt som </a:t>
+            </a:r>
+            <a:r>
+              <a:rPr lang="da-DK" sz="1600" dirty="0" smtClean="0"/>
+              <a:t>muligt. Instruktoren </a:t>
+            </a:r>
+            <a:r>
+              <a:rPr lang="da-DK" sz="1600" dirty="0"/>
+              <a:t>går, når der ikke er flere, der ønsker hjælp.</a:t>
+            </a:r>
+          </a:p>
+          <a:p>
+            <a:pPr marL="271463" lvl="1" indent="-271463">
+              <a:spcBef>
+                <a:spcPts val="1800"/>
+              </a:spcBef>
+              <a:buFontTx/>
+              <a:buChar char="•"/>
+            </a:pPr>
+            <a:r>
+              <a:rPr lang="da-DK" sz="1800" b="1" spc="-40" dirty="0">
+                <a:solidFill>
+                  <a:srgbClr val="A50021"/>
+                </a:solidFill>
+              </a:rPr>
+              <a:t>I kan også bruge Studiecaféen til at stille spørgsmål omkring:</a:t>
+            </a:r>
+          </a:p>
+          <a:p>
+            <a:pPr marL="742950" lvl="1" indent="-285750">
+              <a:spcBef>
+                <a:spcPts val="600"/>
+              </a:spcBef>
+            </a:pPr>
+            <a:r>
+              <a:rPr lang="da-DK" sz="1600" dirty="0"/>
+              <a:t>Jeres tidligere afleveringer (og instruktorens kommentarerne til dem),</a:t>
+            </a:r>
+          </a:p>
+          <a:p>
+            <a:pPr marL="742950" lvl="1" indent="-285750">
+              <a:spcBef>
+                <a:spcPts val="600"/>
+              </a:spcBef>
+            </a:pPr>
+            <a:r>
+              <a:rPr lang="da-DK" sz="1600" dirty="0"/>
+              <a:t>BlueJ bogen og mine slides,</a:t>
+            </a:r>
+          </a:p>
+          <a:p>
+            <a:pPr marL="742950" lvl="1" indent="-285750">
+              <a:spcBef>
+                <a:spcPts val="600"/>
+              </a:spcBef>
+            </a:pPr>
+            <a:r>
+              <a:rPr lang="da-DK" sz="1600" dirty="0" smtClean="0"/>
+              <a:t>Alt </a:t>
+            </a:r>
+            <a:r>
+              <a:rPr lang="da-DK" sz="1600" dirty="0"/>
+              <a:t>andet, som I har problemer med.</a:t>
+            </a:r>
+          </a:p>
+          <a:p>
+            <a:pPr marL="742950" lvl="1" indent="-285750">
+              <a:spcBef>
+                <a:spcPts val="600"/>
+              </a:spcBef>
+              <a:buFontTx/>
+              <a:buChar char="–"/>
+            </a:pPr>
+            <a:endParaRPr lang="da-DK" altLang="da-DK" sz="1600" dirty="0"/>
+          </a:p>
+        </p:txBody>
+      </p:sp>
+    </p:spTree>
+    <p:extLst>
+      <p:ext uri="{BB962C8B-B14F-4D97-AF65-F5344CB8AC3E}">
+        <p14:creationId xmlns:p14="http://schemas.microsoft.com/office/powerpoint/2010/main" val="198881662"/>
+      </p:ext>
+    </p:extLst>
+  </p:cSld>
+  <p:clrMapOvr>
+    <a:masterClrMapping/>
+  </p:clrMapOvr>
+  <p:timing>
+    <p:tnLst>
+      <p:par>
+        <p:cTn id="1" dur="indefinite" restart="never" nodeType="tmRoot"/>
+      </p:par>
+    </p:tnLst>
+  </p:timing>
+</p:sld>
+</file>
+
+<file path=ppt/slides/slide12.xml><?xml version="1.0" encoding="utf-8"?>
+<p:sld xmlns:a="http://schemas.openxmlformats.org/drawingml/2006/main" xmlns:r="http://schemas.openxmlformats.org/officeDocument/2006/relationships" xmlns:p="http://schemas.openxmlformats.org/presentationml/2006/main">
+  <p:cSld>
+    <p:spTree>
+      <p:nvGrpSpPr>
+        <p:cNvPr id="1" name=""/>
+        <p:cNvGrpSpPr/>
+        <p:nvPr/>
+      </p:nvGrpSpPr>
+      <p:grpSpPr>
+        <a:xfrm>
+          <a:off x="0" y="0"/>
+          <a:ext cx="0" cy="0"/>
+          <a:chOff x="0" y="0"/>
+          <a:chExt cx="0" cy="0"/>
+        </a:xfrm>
+      </p:grpSpPr>
+      <p:sp>
+        <p:nvSpPr>
+          <p:cNvPr id="4" name="Title 1"/>
+          <p:cNvSpPr txBox="1">
+            <a:spLocks/>
+          </p:cNvSpPr>
+          <p:nvPr/>
+        </p:nvSpPr>
+        <p:spPr bwMode="auto">
+          <a:xfrm>
+            <a:off x="459225" y="260349"/>
+            <a:ext cx="8577271" cy="682625"/>
+          </a:xfrm>
+          <a:prstGeom prst="rect">
+            <a:avLst/>
+          </a:prstGeom>
+          <a:noFill/>
+          <a:ln>
+            <a:noFill/>
+          </a:ln>
+          <a:extLst>
+            <a:ext uri="{909E8E84-426E-40DD-AFC4-6F175D3DCCD1}">
+              <a14:hiddenFill xmlns:a14="http://schemas.microsoft.com/office/drawing/2010/main">
+                <a:solidFill>
+                  <a:srgbClr val="FFFFFF"/>
+                </a:solidFill>
+              </a14:hiddenFill>
+            </a:ext>
+            <a:ext uri="{91240B29-F687-4F45-9708-019B960494DF}">
+              <a14:hiddenLine xmlns:a14="http://schemas.microsoft.com/office/drawing/2010/main" w="9525">
+                <a:solidFill>
+                  <a:srgbClr val="000000"/>
+                </a:solidFill>
+                <a:miter lim="800000"/>
+                <a:headEnd/>
+                <a:tailEnd/>
+              </a14:hiddenLine>
+            </a:ext>
+          </a:extLst>
+        </p:spPr>
+        <p:txBody>
+          <a:bodyPr anchor="ctr"/>
+          <a:lstStyle>
+            <a:lvl1pPr algn="l" rtl="0" eaLnBrk="0" fontAlgn="base" hangingPunct="0">
+              <a:spcBef>
+                <a:spcPct val="0"/>
+              </a:spcBef>
+              <a:spcAft>
+                <a:spcPct val="0"/>
+              </a:spcAft>
+              <a:defRPr sz="3600" b="1">
+                <a:solidFill>
+                  <a:srgbClr val="000066"/>
+                </a:solidFill>
+                <a:latin typeface="+mj-lt"/>
+                <a:ea typeface="ＭＳ Ｐゴシック" pitchFamily="-107" charset="-128"/>
+                <a:cs typeface="ＭＳ Ｐゴシック" pitchFamily="-107" charset="-128"/>
+              </a:defRPr>
+            </a:lvl1pPr>
+            <a:lvl2pPr algn="l" rtl="0" eaLnBrk="0" fontAlgn="base" hangingPunct="0">
+              <a:spcBef>
+                <a:spcPct val="0"/>
+              </a:spcBef>
+              <a:spcAft>
+                <a:spcPct val="0"/>
+              </a:spcAft>
+              <a:defRPr sz="3600" b="1">
+                <a:solidFill>
+                  <a:srgbClr val="000066"/>
+                </a:solidFill>
+                <a:latin typeface="Arial" charset="0"/>
+                <a:ea typeface="ＭＳ Ｐゴシック" pitchFamily="-107" charset="-128"/>
+                <a:cs typeface="ＭＳ Ｐゴシック" pitchFamily="-107" charset="-128"/>
+              </a:defRPr>
+            </a:lvl2pPr>
+            <a:lvl3pPr algn="l" rtl="0" eaLnBrk="0" fontAlgn="base" hangingPunct="0">
+              <a:spcBef>
+                <a:spcPct val="0"/>
+              </a:spcBef>
+              <a:spcAft>
+                <a:spcPct val="0"/>
+              </a:spcAft>
+              <a:defRPr sz="3600" b="1">
+                <a:solidFill>
+                  <a:srgbClr val="000066"/>
+                </a:solidFill>
+                <a:latin typeface="Arial" charset="0"/>
+                <a:ea typeface="ＭＳ Ｐゴシック" pitchFamily="-107" charset="-128"/>
+                <a:cs typeface="ＭＳ Ｐゴシック" pitchFamily="-107" charset="-128"/>
+              </a:defRPr>
+            </a:lvl3pPr>
+            <a:lvl4pPr algn="l" rtl="0" eaLnBrk="0" fontAlgn="base" hangingPunct="0">
+              <a:spcBef>
+                <a:spcPct val="0"/>
+              </a:spcBef>
+              <a:spcAft>
+                <a:spcPct val="0"/>
+              </a:spcAft>
+              <a:defRPr sz="3600" b="1">
+                <a:solidFill>
+                  <a:srgbClr val="000066"/>
+                </a:solidFill>
+                <a:latin typeface="Arial" charset="0"/>
+                <a:ea typeface="ＭＳ Ｐゴシック" pitchFamily="-107" charset="-128"/>
+                <a:cs typeface="ＭＳ Ｐゴシック" pitchFamily="-107" charset="-128"/>
+              </a:defRPr>
+            </a:lvl4pPr>
+            <a:lvl5pPr algn="l" rtl="0" eaLnBrk="0" fontAlgn="base" hangingPunct="0">
+              <a:spcBef>
+                <a:spcPct val="0"/>
+              </a:spcBef>
+              <a:spcAft>
+                <a:spcPct val="0"/>
+              </a:spcAft>
+              <a:defRPr sz="3600" b="1">
+                <a:solidFill>
+                  <a:srgbClr val="000066"/>
+                </a:solidFill>
+                <a:latin typeface="Arial" charset="0"/>
+                <a:ea typeface="ＭＳ Ｐゴシック" pitchFamily="-107" charset="-128"/>
+                <a:cs typeface="ＭＳ Ｐゴシック" pitchFamily="-107" charset="-128"/>
+              </a:defRPr>
+            </a:lvl5pPr>
+            <a:lvl6pPr marL="457200" algn="l" rtl="0" fontAlgn="base">
+              <a:spcBef>
+                <a:spcPct val="0"/>
+              </a:spcBef>
+              <a:spcAft>
+                <a:spcPct val="0"/>
+              </a:spcAft>
+              <a:defRPr sz="3600" b="1">
+                <a:solidFill>
+                  <a:srgbClr val="000066"/>
+                </a:solidFill>
+                <a:latin typeface="Arial" charset="0"/>
+              </a:defRPr>
+            </a:lvl6pPr>
+            <a:lvl7pPr marL="914400" algn="l" rtl="0" fontAlgn="base">
+              <a:spcBef>
+                <a:spcPct val="0"/>
+              </a:spcBef>
+              <a:spcAft>
+                <a:spcPct val="0"/>
+              </a:spcAft>
+              <a:defRPr sz="3600" b="1">
+                <a:solidFill>
+                  <a:srgbClr val="000066"/>
+                </a:solidFill>
+                <a:latin typeface="Arial" charset="0"/>
+              </a:defRPr>
+            </a:lvl7pPr>
+            <a:lvl8pPr marL="1371600" algn="l" rtl="0" fontAlgn="base">
+              <a:spcBef>
+                <a:spcPct val="0"/>
+              </a:spcBef>
+              <a:spcAft>
+                <a:spcPct val="0"/>
+              </a:spcAft>
+              <a:defRPr sz="3600" b="1">
+                <a:solidFill>
+                  <a:srgbClr val="000066"/>
+                </a:solidFill>
+                <a:latin typeface="Arial" charset="0"/>
+              </a:defRPr>
+            </a:lvl8pPr>
+            <a:lvl9pPr marL="1828800" algn="l" rtl="0" fontAlgn="base">
+              <a:spcBef>
+                <a:spcPct val="0"/>
+              </a:spcBef>
+              <a:spcAft>
+                <a:spcPct val="0"/>
+              </a:spcAft>
+              <a:defRPr sz="3600" b="1">
+                <a:solidFill>
+                  <a:srgbClr val="000066"/>
+                </a:solidFill>
+                <a:latin typeface="Arial" charset="0"/>
+              </a:defRPr>
+            </a:lvl9pPr>
+          </a:lstStyle>
+          <a:p>
+            <a:pPr marL="271463" indent="-271463"/>
+            <a:r>
+              <a:rPr lang="da-DK" altLang="da-DK" sz="2800" dirty="0" smtClean="0"/>
               <a:t>Evaluering af dagens seminar</a:t>
             </a:r>
             <a:endParaRPr lang="da-DK" altLang="da-DK" sz="2800" dirty="0"/>
@@ -8662,16 +10360,23 @@
               <a:spcBef>
                 <a:spcPts val="600"/>
               </a:spcBef>
+            </a:pPr>
+            <a:r>
+              <a:rPr lang="da-DK" altLang="da-DK" sz="1600" dirty="0"/>
+              <a:t>Jeg foreslår, at I slår jeres video og lyd fra under forelæsningen</a:t>
+            </a:r>
+          </a:p>
+          <a:p>
+            <a:pPr marL="742950" lvl="1" indent="-285750">
+              <a:spcBef>
+                <a:spcPts val="600"/>
+              </a:spcBef>
               <a:buFontTx/>
               <a:buChar char="–"/>
             </a:pPr>
             <a:r>
               <a:rPr lang="da-DK" altLang="da-DK" sz="1600" dirty="0" smtClean="0"/>
-              <a:t>Under </a:t>
-            </a:r>
-            <a:r>
-              <a:rPr lang="da-DK" altLang="da-DK" sz="1600" dirty="0" smtClean="0"/>
-              <a:t>forelæsningen kan I </a:t>
+              <a:t>Under forelæsningen kan I </a:t>
             </a:r>
             <a:r>
               <a:rPr lang="da-DK" altLang="da-DK" sz="1600" b="1" dirty="0" smtClean="0">
@@ -8783,7 +10488,7 @@
         </p:nvSpPr>
         <p:spPr>
           <a:xfrm rot="21165640">
-            <a:off x="4784210" y="4785713"/>
+            <a:off x="4901262" y="5289770"/>
             <a:ext cx="3280124" cy="523220"/>
           </a:xfrm>
           <a:prstGeom prst="rect">
@@ -8854,7 +10559,7 @@
         </p:nvSpPr>
         <p:spPr>
           <a:xfrm rot="21165640">
-            <a:off x="4951933" y="5325774"/>
+            <a:off x="5023941" y="5865835"/>
             <a:ext cx="3280124" cy="523220"/>
           </a:xfrm>
           <a:prstGeom prst="rect">
@@ -9532,7 +11237,7 @@
         <p:spPr bwMode="auto">
           <a:xfrm>
             <a:off x="459225" y="260349"/>
-            <a:ext cx="8505263" cy="682625"/>
+            <a:ext cx="8577271" cy="682625"/>
           </a:xfrm>
           <a:prstGeom prst="rect">
             <a:avLst/>
@@ -9704,24 +11409,12 @@
           <a:p>
             <a:pPr marL="271463" indent="-271463"/>
             <a:r>
+              <a:rPr lang="da-DK" altLang="da-DK" sz="2800" dirty="0"/>
+              <a:t>Nu går vi så i gang med </a:t>
+            </a:r>
+            <a:r>
               <a:rPr lang="da-DK" altLang="da-DK" sz="2800" dirty="0" smtClean="0"/>
-              <a:t>Brug af </a:t>
-            </a:r>
-            <a:r>
-              <a:rPr lang="da-DK" altLang="da-DK" sz="2800" dirty="0" err="1" smtClean="0"/>
-              <a:t>brekout</a:t>
-            </a:r>
-            <a:r>
-              <a:rPr lang="da-DK" altLang="da-DK" sz="2800" dirty="0" smtClean="0"/>
-              <a:t> </a:t>
-            </a:r>
-            <a:r>
-              <a:rPr lang="da-DK" altLang="da-DK" sz="2800" dirty="0" err="1" smtClean="0"/>
-              <a:t>rooms</a:t>
-            </a:r>
-            <a:r>
-              <a:rPr lang="da-DK" altLang="da-DK" sz="2800" dirty="0" smtClean="0"/>
-              <a:t> i Zoom</a:t>
+              <a:t>øvelserne</a:t>
             </a:r>
             <a:endParaRPr lang="da-DK" altLang="da-DK" sz="2800" dirty="0"/>
           </a:p>
@@ -9738,7 +11431,7 @@
         <p:spPr bwMode="auto">
           <a:xfrm>
             <a:off x="611560" y="1052736"/>
-            <a:ext cx="8352928" cy="5400600"/>
+            <a:ext cx="8352928" cy="2520280"/>
           </a:xfrm>
           <a:prstGeom prst="rect">
             <a:avLst/>
@@ -9914,39 +11607,7 @@
                   <a:srgbClr val="A50021"/>
                 </a:solidFill>
               </a:rPr>
-              <a:t>Om lidt åbner jeg i Zoom for et antal såkaldte “</a:t>
-            </a:r>
-            <a:r>
-              <a:rPr lang="da-DK" altLang="da-DK" sz="1800" b="1" spc="-40" dirty="0" err="1" smtClean="0">
-                <a:solidFill>
-                  <a:srgbClr val="A50021"/>
-                </a:solidFill>
-              </a:rPr>
-              <a:t>breakout</a:t>
-            </a:r>
-            <a:r>
-              <a:rPr lang="da-DK" altLang="da-DK" sz="1800" b="1" spc="-40" dirty="0" smtClean="0">
-                <a:solidFill>
-                  <a:srgbClr val="A50021"/>
-                </a:solidFill>
-              </a:rPr>
-              <a:t> </a:t>
-            </a:r>
-            <a:r>
-              <a:rPr lang="da-DK" altLang="da-DK" sz="1800" b="1" spc="-40" dirty="0" err="1" smtClean="0">
-                <a:solidFill>
-                  <a:srgbClr val="A50021"/>
-                </a:solidFill>
-              </a:rPr>
-              <a:t>rooms</a:t>
-            </a:r>
-            <a:r>
-              <a:rPr lang="da-DK" altLang="da-DK" sz="1800" b="1" spc="-40" dirty="0" smtClean="0">
-                <a:solidFill>
-                  <a:srgbClr val="A50021"/>
-                </a:solidFill>
-              </a:rPr>
-              <a:t>”</a:t>
+              <a:t>Her i formiddag vil instruktorerne primært sikre, at I alle</a:t>
             </a:r>
           </a:p>
           <a:p>
@@ -9954,42 +11615,20 @@
               <a:spcBef>
                 <a:spcPts val="600"/>
               </a:spcBef>
+              <a:buFontTx/>
+              <a:buChar char="–"/>
             </a:pPr>
             <a:r>
               <a:rPr lang="da-DK" altLang="da-DK" sz="1600" dirty="0" smtClean="0"/>
-              <a:t>Dem der ikke er fysisk tilstede, skal </a:t>
-            </a:r>
-            <a:r>
-              <a:rPr lang="da-DK" altLang="da-DK" sz="1600" dirty="0"/>
-              <a:t>så, hver </a:t>
+              <a:t>Har fået installeret </a:t>
+            </a:r>
+            <a:r>
+              <a:rPr lang="da-DK" altLang="da-DK" sz="1600" dirty="0" err="1" smtClean="0"/>
+              <a:t>BlueJ</a:t>
             </a:r>
             <a:r>
               <a:rPr lang="da-DK" altLang="da-DK" sz="1600" dirty="0" smtClean="0"/>
-              <a:t>især, </a:t>
-            </a:r>
-            <a:r>
-              <a:rPr lang="da-DK" altLang="da-DK" sz="1600" dirty="0"/>
-              <a:t>gå ind i det rum, der har samme </a:t>
-            </a:r>
-            <a:r>
-              <a:rPr lang="da-DK" altLang="da-DK" sz="1600" spc="-40" dirty="0"/>
-              <a:t>nummer som jeres </a:t>
-            </a:r>
-            <a:r>
-              <a:rPr lang="da-DK" altLang="da-DK" sz="1600" spc="-40" dirty="0" smtClean="0"/>
-              <a:t>programmeringspar </a:t>
-            </a:r>
-            <a:r>
-              <a:rPr lang="da-DK" altLang="da-DK" sz="1600" spc="-40" dirty="0"/>
-              <a:t>(f.eks. skal deltagerne i Par 7 gå ind i </a:t>
-            </a:r>
-            <a:r>
-              <a:rPr lang="da-DK" altLang="da-DK" sz="1600" spc="-40" dirty="0" err="1"/>
-              <a:t>Room</a:t>
-            </a:r>
-            <a:r>
-              <a:rPr lang="da-DK" altLang="da-DK" sz="1600" spc="-40" dirty="0"/>
-              <a:t> 7)</a:t>
+              <a:t> på jeres bærbare</a:t>
             </a:r>
           </a:p>
           <a:p>
@@ -9997,26 +11636,12 @@
               <a:spcBef>
                 <a:spcPts val="600"/>
               </a:spcBef>
+              <a:buFontTx/>
+              <a:buChar char="–"/>
             </a:pPr>
             <a:r>
-              <a:rPr lang="da-DK" altLang="da-DK" sz="1600" dirty="0"/>
-              <a:t>Det gør I ved først at trykke på “Breakout </a:t>
-            </a:r>
-            <a:r>
-              <a:rPr lang="da-DK" altLang="da-DK" sz="1600" dirty="0" err="1"/>
-              <a:t>Rooms</a:t>
-            </a:r>
-            <a:r>
-              <a:rPr lang="da-DK" altLang="da-DK" sz="1600" dirty="0"/>
-              <a:t>” nederst i Zoom vinduet og derpå på “</a:t>
-            </a:r>
-            <a:r>
-              <a:rPr lang="da-DK" altLang="da-DK" sz="1600" dirty="0" err="1"/>
-              <a:t>Join</a:t>
-            </a:r>
-            <a:r>
-              <a:rPr lang="da-DK" altLang="da-DK" sz="1600" dirty="0"/>
-              <a:t>” ud for det rum, som I vil gå ind i</a:t>
+              <a:rPr lang="da-DK" altLang="da-DK" sz="1600" dirty="0" smtClean="0"/>
+              <a:t>Har fået sat mail op, så mail til jeres AU mailadresse hentes fra jeres normale mail-klient</a:t>
             </a:r>
           </a:p>
           <a:p>
@@ -10024,178 +11649,12 @@
               <a:spcBef>
                 <a:spcPts val="600"/>
               </a:spcBef>
+              <a:buFontTx/>
+              <a:buChar char="–"/>
             </a:pPr>
             <a:r>
-              <a:rPr lang="da-DK" altLang="da-DK" sz="1600" dirty="0"/>
-              <a:t>Hvis I er alene, skal I også gå ind i jeres rum (så instruktoren kan “finde” jer der)</a:t>
-            </a:r>
-          </a:p>
-          <a:p>
-            <a:pPr marL="742950" lvl="1" indent="-285750">
-              <a:spcBef>
-                <a:spcPts val="600"/>
-              </a:spcBef>
-            </a:pPr>
-            <a:r>
-              <a:rPr lang="da-DK" altLang="da-DK" sz="1600" dirty="0"/>
-              <a:t>Der er også et rum, der hedder ”</a:t>
-            </a:r>
-            <a:r>
-              <a:rPr lang="da-DK" altLang="da-DK" sz="1600" dirty="0" err="1"/>
-              <a:t>Staff</a:t>
-            </a:r>
-            <a:r>
-              <a:rPr lang="da-DK" altLang="da-DK" sz="1600" dirty="0"/>
-              <a:t>” (det er til brug for instruktorerne og mig)</a:t>
-            </a:r>
-          </a:p>
-          <a:p>
-            <a:pPr marL="271463" lvl="1" indent="-271463">
-              <a:spcBef>
-                <a:spcPts val="1200"/>
-              </a:spcBef>
-              <a:buFontTx/>
-              <a:buChar char="•"/>
-            </a:pPr>
-            <a:r>
-              <a:rPr lang="da-DK" altLang="da-DK" sz="1800" b="1" spc="-40" dirty="0" smtClean="0">
-                <a:solidFill>
-                  <a:srgbClr val="A50021"/>
-                </a:solidFill>
-              </a:rPr>
-              <a:t>Inde i breakout rummet</a:t>
-            </a:r>
-          </a:p>
-          <a:p>
-            <a:pPr marL="742950" lvl="1" indent="-285750">
-              <a:spcBef>
-                <a:spcPts val="600"/>
-              </a:spcBef>
-            </a:pPr>
-            <a:r>
               <a:rPr lang="da-DK" altLang="da-DK" sz="1600" dirty="0" smtClean="0"/>
-              <a:t>I er nu i et nyt rum og kan kun kommunikere med dem der er i det rum</a:t>
-            </a:r>
-          </a:p>
-          <a:p>
-            <a:pPr marL="742950" lvl="1" indent="-285750">
-              <a:spcBef>
-                <a:spcPts val="600"/>
-              </a:spcBef>
-            </a:pPr>
-            <a:r>
-              <a:rPr lang="da-DK" altLang="da-DK" sz="1600" dirty="0" smtClean="0"/>
-              <a:t>I kan dele den ene af jeres computerskærme (eller eventuelt dem begge) – på den måde kan I arbejde på et fælles </a:t>
-            </a:r>
-            <a:r>
-              <a:rPr lang="da-DK" altLang="da-DK" sz="1600" dirty="0" err="1"/>
-              <a:t>B</a:t>
-            </a:r>
-            <a:r>
-              <a:rPr lang="da-DK" altLang="da-DK" sz="1600" dirty="0" err="1" smtClean="0"/>
-              <a:t>lueJ</a:t>
-            </a:r>
-            <a:r>
-              <a:rPr lang="da-DK" altLang="da-DK" sz="1600" dirty="0" smtClean="0"/>
-              <a:t> projekt (tryk på ”</a:t>
-            </a:r>
-            <a:r>
-              <a:rPr lang="da-DK" altLang="da-DK" sz="1600" dirty="0" err="1" smtClean="0"/>
-              <a:t>Share</a:t>
-            </a:r>
-            <a:r>
-              <a:rPr lang="da-DK" altLang="da-DK" sz="1600" dirty="0" smtClean="0"/>
-              <a:t> Screen” og dernæst på ”Screen”)</a:t>
-            </a:r>
-          </a:p>
-          <a:p>
-            <a:pPr marL="742950" lvl="1" indent="-285750">
-              <a:spcBef>
-                <a:spcPts val="600"/>
-              </a:spcBef>
-            </a:pPr>
-            <a:r>
-              <a:rPr lang="da-DK" altLang="da-DK" sz="1600" spc="-20" dirty="0" smtClean="0"/>
-              <a:t>I kan tale sammen og skrive beskeder til hinanden via chat </a:t>
-            </a:r>
-            <a:r>
-              <a:rPr lang="da-DK" altLang="da-DK" sz="1600" spc="-20" dirty="0" smtClean="0"/>
-              <a:t>faciliteten (eller via mobil)</a:t>
-            </a:r>
-            <a:endParaRPr lang="da-DK" altLang="da-DK" sz="1600" spc="-20" dirty="0" smtClean="0"/>
-          </a:p>
-          <a:p>
-            <a:pPr marL="271463" lvl="1" indent="-271463">
-              <a:spcBef>
-                <a:spcPts val="1200"/>
-              </a:spcBef>
-              <a:buFontTx/>
-              <a:buChar char="•"/>
-            </a:pPr>
-            <a:r>
-              <a:rPr lang="da-DK" altLang="da-DK" sz="1800" b="1" spc="-40" dirty="0" smtClean="0">
-                <a:solidFill>
-                  <a:srgbClr val="A50021"/>
-                </a:solidFill>
-              </a:rPr>
-              <a:t>Instruktorerne vil “bevæge” sig rundt mellem rummene og hjælpe jer</a:t>
-            </a:r>
-          </a:p>
-          <a:p>
-            <a:pPr marL="742950" lvl="1" indent="-285750">
-              <a:spcBef>
-                <a:spcPts val="600"/>
-              </a:spcBef>
-            </a:pPr>
-            <a:r>
-              <a:rPr lang="da-DK" altLang="da-DK" sz="1600" spc="-40" dirty="0" smtClean="0"/>
-              <a:t>Hvis I vil tilkalde hjælp fra instruktorerne, nytter det ikke at bruge chat faciliteten i Zoom, idet beskeden kun kan læses af dem, som allerede er i rummet, når den skrives </a:t>
-            </a:r>
-          </a:p>
-          <a:p>
-            <a:pPr marL="742950" lvl="1" indent="-285750">
-              <a:spcBef>
-                <a:spcPts val="600"/>
-              </a:spcBef>
-            </a:pPr>
-            <a:r>
-              <a:rPr lang="da-DK" altLang="da-DK" sz="1600" spc="-40" dirty="0" smtClean="0"/>
-              <a:t>I stedet kan I trykke på linket “</a:t>
-            </a:r>
-            <a:r>
-              <a:rPr lang="da-DK" altLang="da-DK" sz="1600" b="1" spc="-40" dirty="0" smtClean="0"/>
-              <a:t>Tilkald hjælp</a:t>
-            </a:r>
-            <a:r>
-              <a:rPr lang="da-DK" altLang="da-DK" sz="1600" spc="-40" dirty="0" smtClean="0"/>
-              <a:t>” øverst på siden ”</a:t>
-            </a:r>
-            <a:r>
-              <a:rPr lang="da-DK" altLang="da-DK" sz="1600" b="1" spc="-40" dirty="0" smtClean="0"/>
-              <a:t>Seminar 1 – </a:t>
-            </a:r>
-            <a:r>
-              <a:rPr lang="da-DK" altLang="da-DK" sz="1600" b="1" spc="-40" dirty="0" smtClean="0"/>
-              <a:t>5. </a:t>
-            </a:r>
-            <a:r>
-              <a:rPr lang="da-DK" altLang="da-DK" sz="1600" b="1" spc="-40" dirty="0" smtClean="0"/>
-              <a:t>januar</a:t>
-            </a:r>
-            <a:r>
-              <a:rPr lang="da-DK" altLang="da-DK" sz="1600" spc="-40" dirty="0" smtClean="0"/>
-              <a:t>”</a:t>
-            </a:r>
-          </a:p>
-          <a:p>
-            <a:pPr marL="742950" lvl="1" indent="-285750">
-              <a:spcBef>
-                <a:spcPts val="600"/>
-              </a:spcBef>
-            </a:pPr>
-            <a:r>
-              <a:rPr lang="da-DK" altLang="da-DK" sz="1600" spc="-40" dirty="0" smtClean="0"/>
-              <a:t>Så får I adgang til et delt Googler Docs dokument, hvor I kan skrive jer på en venteliste</a:t>
+              <a:t>Svare på eventuelle spørgsmål, som I måtte have</a:t>
             </a:r>
           </a:p>
         </p:txBody>
@@ -10203,7 +11662,7 @@
     </p:spTree>
     <p:extLst>
       <p:ext uri="{BB962C8B-B14F-4D97-AF65-F5344CB8AC3E}">
-        <p14:creationId xmlns:p14="http://schemas.microsoft.com/office/powerpoint/2010/main" val="3094025146"/>
+        <p14:creationId xmlns:p14="http://schemas.microsoft.com/office/powerpoint/2010/main" val="1844562908"/>
       </p:ext>
     </p:extLst>
   </p:cSld>
@@ -10248,7 +11707,7 @@
         <p:spPr bwMode="auto">
           <a:xfrm>
             <a:off x="459225" y="260349"/>
-            <a:ext cx="8577271" cy="682625"/>
+            <a:ext cx="8505263" cy="682625"/>
           </a:xfrm>
           <a:prstGeom prst="rect">
             <a:avLst/>
@@ -10421,7 +11880,7 @@
             <a:pPr marL="271463" indent="-271463"/>
             <a:r>
               <a:rPr lang="da-DK" altLang="da-DK" sz="2800" dirty="0" smtClean="0"/>
-              <a:t>Frem mod næste seminar</a:t>
+              <a:t>Brug af Zoom</a:t>
             </a:r>
             <a:endParaRPr lang="da-DK" altLang="da-DK" sz="2800" dirty="0"/>
           </a:p>
@@ -10429,7 +11888,7 @@
       </p:sp>
       <p:sp>
         <p:nvSpPr>
-          <p:cNvPr id="5" name="Content Placeholder 2"/>
+          <p:cNvPr id="8" name="Content Placeholder 2"/>
           <p:cNvSpPr txBox="1">
             <a:spLocks/>
           </p:cNvSpPr>
@@ -10437,8 +11896,8 @@
         </p:nvSpPr>
         <p:spPr bwMode="auto">
           <a:xfrm>
-            <a:off x="539552" y="1124744"/>
-            <a:ext cx="8496944" cy="5733256"/>
+            <a:off x="611560" y="1052736"/>
+            <a:ext cx="8352928" cy="5400600"/>
           </a:xfrm>
           <a:prstGeom prst="rect">
             <a:avLst/>
@@ -10614,7 +12073,15 @@
                   <a:srgbClr val="A50021"/>
                 </a:solidFill>
               </a:rPr>
-              <a:t>Forelæsningerne kan genses inde på side ”Videoer fra </a:t>
+              <a:t>Om lidt åbner jeg i Zoom for et antal såkaldte “</a:t>
+            </a:r>
+            <a:r>
+              <a:rPr lang="da-DK" altLang="da-DK" sz="1800" b="1" spc="-40" dirty="0" err="1" smtClean="0">
+                <a:solidFill>
+                  <a:srgbClr val="A50021"/>
+                </a:solidFill>
+              </a:rPr>
+              <a:t>breakout</a:t>
             </a:r>
             <a:r>
               <a:rPr lang="da-DK" altLang="da-DK" sz="1800" b="1" spc="-40" dirty="0" smtClean="0">
@@ -10622,13 +12089,24 @@
                   <a:srgbClr val="A50021"/>
                 </a:solidFill>
               </a:rPr>
-              <a:t>forelæsninger 2024”</a:t>
-            </a:r>
-            <a:endParaRPr lang="da-DK" altLang="da-DK" sz="1800" b="1" spc="-40" dirty="0" smtClean="0">
-              <a:solidFill>
-                <a:srgbClr val="A50021"/>
-              </a:solidFill>
-            </a:endParaRPr>
+              <a:t> </a:t>
+            </a:r>
+            <a:r>
+              <a:rPr lang="da-DK" altLang="da-DK" sz="1800" b="1" spc="-40" dirty="0" err="1" smtClean="0">
+                <a:solidFill>
+                  <a:srgbClr val="A50021"/>
+                </a:solidFill>
+              </a:rPr>
+              <a:t>rooms</a:t>
+            </a:r>
+            <a:r>
+              <a:rPr lang="da-DK" altLang="da-DK" sz="1800" b="1" spc="-40" dirty="0" smtClean="0">
+                <a:solidFill>
+                  <a:srgbClr val="A50021"/>
+                </a:solidFill>
+              </a:rPr>
+              <a:t>”</a:t>
+            </a:r>
           </a:p>
           <a:p>
             <a:pPr marL="742950" lvl="1" indent="-285750">
@@ -10637,16 +12115,73 @@
               </a:spcBef>
             </a:pPr>
             <a:r>
-              <a:rPr lang="da-DK" altLang="da-DK" sz="1600" dirty="0" smtClean="0"/>
-              <a:t>Klar ca. </a:t>
-            </a:r>
-            <a:r>
-              <a:rPr lang="da-DK" altLang="da-DK" sz="1600" dirty="0" smtClean="0"/>
-              <a:t>30 minutter </a:t>
-            </a:r>
-            <a:r>
-              <a:rPr lang="da-DK" altLang="da-DK" sz="1600" dirty="0" smtClean="0"/>
-              <a:t>efter forelæsningen</a:t>
+              <a:rPr lang="da-DK" altLang="da-DK" sz="1600" dirty="0"/>
+              <a:t>I skal så, hver især gå ind i det rum, der har samme nummer som jeres programmeringspar, (f.eks. skal deltagerne i Par 7 gå ind i </a:t>
+            </a:r>
+            <a:r>
+              <a:rPr lang="da-DK" altLang="da-DK" sz="1600" dirty="0" err="1"/>
+              <a:t>Room</a:t>
+            </a:r>
+            <a:r>
+              <a:rPr lang="da-DK" altLang="da-DK" sz="1600" dirty="0"/>
+              <a:t> 7)</a:t>
+            </a:r>
+          </a:p>
+          <a:p>
+            <a:pPr marL="742950" lvl="1" indent="-285750">
+              <a:spcBef>
+                <a:spcPts val="600"/>
+              </a:spcBef>
+            </a:pPr>
+            <a:r>
+              <a:rPr lang="da-DK" altLang="da-DK" sz="1600" dirty="0"/>
+              <a:t>Det gør I ved først at trykke på “Breakout </a:t>
+            </a:r>
+            <a:r>
+              <a:rPr lang="da-DK" altLang="da-DK" sz="1600" dirty="0" err="1"/>
+              <a:t>Rooms</a:t>
+            </a:r>
+            <a:r>
+              <a:rPr lang="da-DK" altLang="da-DK" sz="1600" dirty="0"/>
+              <a:t>” nederst i Zoom vinduet og derpå på “</a:t>
+            </a:r>
+            <a:r>
+              <a:rPr lang="da-DK" altLang="da-DK" sz="1600" dirty="0" err="1"/>
+              <a:t>Join</a:t>
+            </a:r>
+            <a:r>
+              <a:rPr lang="da-DK" altLang="da-DK" sz="1600" dirty="0"/>
+              <a:t>” ud for det rum, som I vil gå ind i</a:t>
+            </a:r>
+          </a:p>
+          <a:p>
+            <a:pPr marL="742950" lvl="1" indent="-285750">
+              <a:spcBef>
+                <a:spcPts val="600"/>
+              </a:spcBef>
+            </a:pPr>
+            <a:r>
+              <a:rPr lang="da-DK" altLang="da-DK" sz="1600" dirty="0"/>
+              <a:t>Hvis I er alene, skal I også gå ind i jeres rum (så instruktoren kan “finde” jer der)</a:t>
+            </a:r>
+          </a:p>
+          <a:p>
+            <a:pPr marL="742950" lvl="1" indent="-285750">
+              <a:spcBef>
+                <a:spcPts val="600"/>
+              </a:spcBef>
+            </a:pPr>
+            <a:r>
+              <a:rPr lang="da-DK" altLang="da-DK" sz="1600" dirty="0"/>
+              <a:t>Der er også et rum, der hedder ”</a:t>
+            </a:r>
+            <a:r>
+              <a:rPr lang="da-DK" altLang="da-DK" sz="1600" dirty="0" err="1"/>
+              <a:t>Staff</a:t>
+            </a:r>
+            <a:r>
+              <a:rPr lang="da-DK" altLang="da-DK" sz="1600" dirty="0"/>
+              <a:t>” (det er til brug for instruktorerne og mig)</a:t>
             </a:r>
           </a:p>
           <a:p>
@@ -10658,28 +12193,12 @@
               <a:buChar char="•"/>
             </a:pPr>
             <a:r>
-              <a:rPr lang="da-DK" altLang="da-DK" sz="1800" b="1" spc="-60" dirty="0" smtClean="0">
+              <a:rPr lang="da-DK" altLang="da-DK" sz="1800" b="1" spc="-40" dirty="0" smtClean="0">
                 <a:solidFill>
                   <a:srgbClr val="A50021"/>
                 </a:solidFill>
               </a:rPr>
-              <a:t>Raflebæger 1 afleveres inde på siden </a:t>
-            </a:r>
-            <a:r>
-              <a:rPr lang="da-DK" altLang="da-DK" sz="1800" b="1" spc="-60" dirty="0" smtClean="0">
-                <a:solidFill>
-                  <a:srgbClr val="A50021"/>
-                </a:solidFill>
-              </a:rPr>
-              <a:t>”Afleveringsopgaver</a:t>
-            </a:r>
-            <a:r>
-              <a:rPr lang="da-DK" altLang="da-DK" sz="1800" b="1" spc="-60" dirty="0" smtClean="0">
-                <a:solidFill>
-                  <a:srgbClr val="A50021"/>
-                </a:solidFill>
-              </a:rPr>
-              <a:t>”</a:t>
+              <a:t>Inde i breakout rummet</a:t>
             </a:r>
           </a:p>
           <a:p>
@@ -10690,11 +12209,7 @@
             </a:pPr>
             <a:r>
               <a:rPr lang="da-DK" altLang="da-DK" sz="1600" dirty="0" smtClean="0"/>
-              <a:t>Husk </a:t>
-            </a:r>
-            <a:r>
-              <a:rPr lang="da-DK" altLang="da-DK" sz="1600" dirty="0"/>
-              <a:t>at bruge testserveren før I afleverer (som beskrevet i opgaven)</a:t>
+              <a:t>I er nu i et nyt rum og kan kun kommunikere med dem der er i det rum</a:t>
             </a:r>
           </a:p>
           <a:p>
@@ -10702,12 +12217,30 @@
               <a:spcBef>
                 <a:spcPts val="600"/>
               </a:spcBef>
-              <a:buFontTx/>
-              <a:buChar char="–"/>
             </a:pPr>
             <a:r>
               <a:rPr lang="da-DK" altLang="da-DK" sz="1600" dirty="0" smtClean="0"/>
-              <a:t>Det er nok, at en fra hvert par afleverer (ellers oprettes der to afleveringer, hvor instruktoren kun retter den sidste)</a:t>
+              <a:t>I kan dele den ene af jeres computerskærme (eller eventuelt dem begge) – på den måde kan I arbejde på et fælles </a:t>
+            </a:r>
+            <a:r>
+              <a:rPr lang="da-DK" altLang="da-DK" sz="1600" dirty="0" err="1"/>
+              <a:t>B</a:t>
+            </a:r>
+            <a:r>
+              <a:rPr lang="da-DK" altLang="da-DK" sz="1600" dirty="0" err="1" smtClean="0"/>
+              <a:t>lueJ</a:t>
+            </a:r>
+            <a:r>
+              <a:rPr lang="da-DK" altLang="da-DK" sz="1600" dirty="0" smtClean="0"/>
+              <a:t> projekt (tryk på ”</a:t>
+            </a:r>
+            <a:r>
+              <a:rPr lang="da-DK" altLang="da-DK" sz="1600" dirty="0" err="1" smtClean="0"/>
+              <a:t>Share</a:t>
+            </a:r>
+            <a:r>
+              <a:rPr lang="da-DK" altLang="da-DK" sz="1600" dirty="0" smtClean="0"/>
+              <a:t> Screen” og dernæst på ”Screen”)</a:t>
             </a:r>
           </a:p>
           <a:p>
@@ -10715,37 +12248,10 @@
               <a:spcBef>
                 <a:spcPts val="600"/>
               </a:spcBef>
-              <a:buFontTx/>
-              <a:buChar char="–"/>
             </a:pPr>
             <a:r>
               <a:rPr lang="da-DK" altLang="da-DK" sz="1600" dirty="0" smtClean="0"/>
-              <a:t>Når instruktorerne har rettet en opgave, kan I se hans kommentarer samme sted, som I afleverede</a:t>
-            </a:r>
-          </a:p>
-          <a:p>
-            <a:pPr marL="742950" lvl="1" indent="-285750">
-              <a:spcBef>
-                <a:spcPts val="600"/>
-              </a:spcBef>
-              <a:buFontTx/>
-              <a:buChar char="–"/>
-            </a:pPr>
-            <a:r>
-              <a:rPr lang="da-DK" altLang="da-DK" sz="1600" dirty="0" smtClean="0"/>
-              <a:t>Der er sikkert mange, der vil få genaflevering de første gange – for at rette småting i jeres programmeringsstil (der kommer mere info om, hvilken stil I bør benytte på næste seminar – se eventuelt </a:t>
-            </a:r>
-            <a:r>
-              <a:rPr lang="da-DK" altLang="da-DK" sz="1600" dirty="0" smtClean="0"/>
-              <a:t>første halvdel af </a:t>
-            </a:r>
-            <a:r>
-              <a:rPr lang="da-DK" altLang="da-DK" sz="1600" dirty="0" err="1" smtClean="0"/>
-              <a:t>Appendix</a:t>
-            </a:r>
-            <a:r>
-              <a:rPr lang="da-DK" altLang="da-DK" sz="1600" dirty="0" smtClean="0"/>
-              <a:t> J i BlueJ bogen)</a:t>
+              <a:t>I kan tale sammen og skrive beskeder til hinanden via chat faciliteten</a:t>
             </a:r>
           </a:p>
           <a:p>
@@ -10762,48 +12268,64 @@
                   <a:srgbClr val="A50021"/>
                 </a:solidFill>
               </a:rPr>
-              <a:t>Quizzerne</a:t>
-            </a:r>
-            <a:endParaRPr lang="da-DK" altLang="da-DK" sz="1800" b="1" spc="-40" dirty="0">
-              <a:solidFill>
-                <a:srgbClr val="A50021"/>
-              </a:solidFill>
-            </a:endParaRPr>
+              <a:t>Instruktorerne vil “bevæge” sig rundt mellem rummene og hjælpe jer</a:t>
+            </a:r>
           </a:p>
           <a:p>
             <a:pPr marL="742950" lvl="1" indent="-285750">
               <a:spcBef>
                 <a:spcPts val="600"/>
               </a:spcBef>
-              <a:buFontTx/>
-              <a:buChar char="–"/>
             </a:pPr>
             <a:r>
-              <a:rPr lang="da-DK" altLang="da-DK" sz="1600" spc="-70" dirty="0" smtClean="0"/>
-              <a:t>Quizzerne løses ved hjælp af en quizserver (adgangskode og password er den samme, som for testserveren)</a:t>
-            </a:r>
-            <a:endParaRPr lang="da-DK" altLang="da-DK" sz="1600" dirty="0" smtClean="0"/>
+              <a:rPr lang="da-DK" altLang="da-DK" sz="1600" spc="-40" dirty="0" smtClean="0"/>
+              <a:t>Hvis I vil tilkalde hjælp fra instruktorerne, nytter det ikke at bruge chat faciliteten i Zoom, idet beskeden kun kan læses af dem, som allerede er i rummet, når den skrives </a:t>
+            </a:r>
           </a:p>
           <a:p>
             <a:pPr marL="742950" lvl="1" indent="-285750">
               <a:spcBef>
                 <a:spcPts val="600"/>
               </a:spcBef>
-              <a:buFontTx/>
-              <a:buChar char="–"/>
             </a:pPr>
             <a:r>
-              <a:rPr lang="da-DK" altLang="da-DK" sz="1600" dirty="0" smtClean="0"/>
-              <a:t>Løs quizzerne ”så sent som muligt” (så I når at have læst stoffet først)</a:t>
-            </a:r>
-            <a:endParaRPr lang="da-DK" altLang="da-DK" sz="1600" dirty="0"/>
+              <a:rPr lang="da-DK" altLang="da-DK" sz="1600" spc="-40" dirty="0" smtClean="0"/>
+              <a:t>I stedet kan I trykke på linket “</a:t>
+            </a:r>
+            <a:r>
+              <a:rPr lang="da-DK" altLang="da-DK" sz="1600" b="1" spc="-40" dirty="0" smtClean="0"/>
+              <a:t>Tilkald hjælp</a:t>
+            </a:r>
+            <a:r>
+              <a:rPr lang="da-DK" altLang="da-DK" sz="1600" spc="-40" dirty="0" smtClean="0"/>
+              <a:t>” øverst på siden ”</a:t>
+            </a:r>
+            <a:r>
+              <a:rPr lang="da-DK" altLang="da-DK" sz="1600" b="1" spc="-40" dirty="0" smtClean="0"/>
+              <a:t>Seminar 1 – 7. januar</a:t>
+            </a:r>
+            <a:r>
+              <a:rPr lang="da-DK" altLang="da-DK" sz="1600" spc="-40" dirty="0" smtClean="0"/>
+              <a:t>”</a:t>
+            </a:r>
+          </a:p>
+          <a:p>
+            <a:pPr marL="742950" lvl="1" indent="-285750">
+              <a:spcBef>
+                <a:spcPts val="600"/>
+              </a:spcBef>
+            </a:pPr>
+            <a:r>
+              <a:rPr lang="da-DK" altLang="da-DK" sz="1600" spc="-40" dirty="0" smtClean="0"/>
+              <a:t>Så får I adgang til et delt Googler Docs dokument, hvor I kan skrive jer på en venteliste</a:t>
+            </a:r>
           </a:p>
         </p:txBody>
       </p:sp>
     </p:spTree>
     <p:extLst>
       <p:ext uri="{BB962C8B-B14F-4D97-AF65-F5344CB8AC3E}">
-        <p14:creationId xmlns:p14="http://schemas.microsoft.com/office/powerpoint/2010/main" val="1240138285"/>
+        <p14:creationId xmlns:p14="http://schemas.microsoft.com/office/powerpoint/2010/main" val="3094025146"/>
       </p:ext>
     </p:extLst>
   </p:cSld>
@@ -11021,7 +12543,7 @@
             <a:pPr marL="271463" indent="-271463"/>
             <a:r>
               <a:rPr lang="da-DK" altLang="da-DK" sz="2800" dirty="0" smtClean="0"/>
-              <a:t>Frem mod næste seminar (fortsat)</a:t>
+              <a:t>Så er vi klar til at gå i gang med øvelserne</a:t>
             </a:r>
             <a:endParaRPr lang="da-DK" altLang="da-DK" sz="2800" dirty="0"/>
           </a:p>
@@ -11038,7 +12560,7 @@
         <p:spPr bwMode="auto">
           <a:xfrm>
             <a:off x="539552" y="1124744"/>
-            <a:ext cx="8496944" cy="5733256"/>
+            <a:ext cx="8352928" cy="1584176"/>
           </a:xfrm>
           <a:prstGeom prst="rect">
             <a:avLst/>
@@ -11203,7 +12725,7 @@
           <a:p>
             <a:pPr marL="271463" lvl="1" indent="-271463">
               <a:spcBef>
-                <a:spcPts val="1200"/>
+                <a:spcPts val="1800"/>
               </a:spcBef>
               <a:buFontTx/>
               <a:buChar char="•"/>
@@ -11214,192 +12736,128 @@
                   <a:srgbClr val="A50021"/>
                 </a:solidFill>
               </a:rPr>
-              <a:t>Diskussionsforummet</a:t>
-            </a:r>
+              <a:t>Vi  mødes alle kl. 13.00</a:t>
+            </a:r>
+          </a:p>
+          <a:p>
+            <a:pPr marL="742950" lvl="1" indent="-285750">
+              <a:spcBef>
+                <a:spcPts val="600"/>
+              </a:spcBef>
+            </a:pPr>
+            <a:r>
+              <a:rPr lang="da-DK" altLang="da-DK" sz="1600" dirty="0" smtClean="0"/>
+              <a:t>Husk at stoppe så betids, at I kan få noget frokost og få slappet lidt af inden forelæsningerne starter igen</a:t>
+            </a:r>
+          </a:p>
+          <a:p>
+            <a:pPr marL="271463" lvl="1" indent="-271463">
+              <a:spcBef>
+                <a:spcPts val="1800"/>
+              </a:spcBef>
+              <a:buFontTx/>
+              <a:buChar char="•"/>
+            </a:pPr>
+            <a:r>
+              <a:rPr lang="da-DK" altLang="da-DK" sz="1800" b="1" spc="-40" dirty="0" smtClean="0">
+                <a:solidFill>
+                  <a:srgbClr val="A50021"/>
+                </a:solidFill>
+              </a:rPr>
+              <a:t>Er der nogen, der har spørgsmål, inden vi går i gang med øvelserne?</a:t>
+            </a:r>
+          </a:p>
+          <a:p>
+            <a:pPr marL="271463" lvl="1" indent="-271463">
+              <a:spcBef>
+                <a:spcPts val="1800"/>
+              </a:spcBef>
+              <a:buFontTx/>
+              <a:buChar char="•"/>
+            </a:pPr>
             <a:endParaRPr lang="da-DK" altLang="da-DK" sz="1800" b="1" spc="-40" dirty="0">
               <a:solidFill>
                 <a:srgbClr val="A50021"/>
               </a:solidFill>
             </a:endParaRPr>
           </a:p>
-          <a:p>
-            <a:pPr marL="742950" lvl="1" indent="-285750">
-              <a:spcBef>
-                <a:spcPts val="600"/>
-              </a:spcBef>
-              <a:buFontTx/>
-              <a:buChar char="–"/>
+        </p:txBody>
+      </p:sp>
+      <p:sp>
+        <p:nvSpPr>
+          <p:cNvPr id="6" name="Rectangle 5"/>
+          <p:cNvSpPr/>
+          <p:nvPr/>
+        </p:nvSpPr>
+        <p:spPr>
+          <a:xfrm rot="21165640">
+            <a:off x="2431651" y="2879836"/>
+            <a:ext cx="3280124" cy="523220"/>
+          </a:xfrm>
+          <a:prstGeom prst="rect">
+            <a:avLst/>
+          </a:prstGeom>
+          <a:noFill/>
+        </p:spPr>
+        <p:txBody>
+          <a:bodyPr wrap="square">
+            <a:spAutoFit/>
+            <a:scene3d>
+              <a:camera prst="orthographicFront"/>
+              <a:lightRig rig="flat" dir="tl">
+                <a:rot lat="0" lon="0" rev="6600000"/>
+              </a:lightRig>
+            </a:scene3d>
+            <a:sp3d extrusionH="25400" contourW="8890">
+              <a:bevelT w="38100" h="31750"/>
+              <a:contourClr>
+                <a:schemeClr val="accent2">
+                  <a:shade val="75000"/>
+                </a:schemeClr>
+              </a:contourClr>
+            </a:sp3d>
+          </a:bodyPr>
+          <a:lstStyle/>
+          <a:p>
+            <a:pPr algn="ctr">
+              <a:defRPr/>
             </a:pPr>
             <a:r>
-              <a:rPr lang="da-DK" altLang="da-DK" sz="1600" spc="-70" dirty="0" smtClean="0"/>
-              <a:t>Husk at bruge diskussionsforummet – der får I hurtigt svar (også om aftenen og i weekender)</a:t>
-            </a:r>
-          </a:p>
-          <a:p>
-            <a:pPr marL="742950" lvl="1" indent="-285750">
-              <a:spcBef>
-                <a:spcPts val="600"/>
-              </a:spcBef>
-              <a:buFontTx/>
-              <a:buChar char="–"/>
-            </a:pPr>
-            <a:r>
-              <a:rPr lang="da-DK" altLang="da-DK" sz="1600" dirty="0" smtClean="0"/>
-              <a:t>Vi vil nødigt have mails fra jer (med mindre det er om ting, der ikke vedrører andre)</a:t>
-            </a:r>
-          </a:p>
-          <a:p>
-            <a:pPr lvl="1">
-              <a:spcBef>
-                <a:spcPts val="600"/>
-              </a:spcBef>
-              <a:buNone/>
-            </a:pPr>
-            <a:endParaRPr lang="da-DK" altLang="da-DK" sz="1600" dirty="0" smtClean="0"/>
-          </a:p>
-          <a:p>
-            <a:pPr marL="271463" lvl="1" indent="-271463">
-              <a:spcBef>
-                <a:spcPts val="1200"/>
-              </a:spcBef>
-              <a:buFontTx/>
-              <a:buChar char="•"/>
-            </a:pPr>
-            <a:r>
-              <a:rPr lang="da-DK" altLang="da-DK" sz="1800" b="1" spc="-40" dirty="0">
-                <a:solidFill>
-                  <a:srgbClr val="A50021"/>
-                </a:solidFill>
+              <a:rPr lang="en-US" sz="2800" b="1" dirty="0" err="1" smtClean="0">
+                <a:ln w="11430"/>
+                <a:solidFill>
+                  <a:srgbClr val="CC0000"/>
+                </a:solidFill>
+                <a:effectLst>
+                  <a:outerShdw blurRad="50800" dist="39000" dir="5460000" algn="tl">
+                    <a:srgbClr val="000000">
+                      <a:alpha val="38000"/>
+                    </a:srgbClr>
+                  </a:outerShdw>
+                </a:effectLst>
               </a:rPr>
-              <a:t>Hvis I ønsker </a:t>
-            </a:r>
-            <a:r>
-              <a:rPr lang="da-DK" altLang="da-DK" sz="1800" b="1" spc="-40" dirty="0" smtClean="0">
-                <a:solidFill>
-                  <a:srgbClr val="A50021"/>
-                </a:solidFill>
-              </a:rPr>
-              <a:t>det, kan </a:t>
-            </a:r>
-            <a:r>
-              <a:rPr lang="da-DK" altLang="da-DK" sz="1800" b="1" spc="-40" dirty="0">
-                <a:solidFill>
-                  <a:srgbClr val="A50021"/>
-                </a:solidFill>
-              </a:rPr>
-              <a:t>I arbejde sammen med </a:t>
-            </a:r>
-            <a:r>
-              <a:rPr lang="da-DK" altLang="da-DK" sz="1800" b="1" spc="-40" dirty="0" smtClean="0">
-                <a:solidFill>
-                  <a:srgbClr val="A50021"/>
-                </a:solidFill>
-              </a:rPr>
-              <a:t>jeres </a:t>
-            </a:r>
-            <a:r>
-              <a:rPr lang="da-DK" altLang="da-DK" sz="1800" b="1" spc="-40" dirty="0">
-                <a:solidFill>
-                  <a:srgbClr val="A50021"/>
-                </a:solidFill>
-              </a:rPr>
-              <a:t>makker via Zoom</a:t>
-            </a:r>
-          </a:p>
-          <a:p>
-            <a:pPr marL="742950" lvl="1" indent="-285750">
-              <a:spcBef>
-                <a:spcPts val="600"/>
-              </a:spcBef>
-            </a:pPr>
-            <a:r>
-              <a:rPr lang="da-DK" altLang="da-DK" sz="1600" dirty="0" smtClean="0"/>
-              <a:t>På siden ”Installation og brug af Zoom” under ”Info om kurset (inklusiv nyttige links)” </a:t>
-            </a:r>
-            <a:r>
-              <a:rPr lang="da-DK" altLang="da-DK" sz="1600" dirty="0"/>
-              <a:t>er det </a:t>
-            </a:r>
-            <a:r>
-              <a:rPr lang="da-DK" altLang="da-DK" sz="1600" dirty="0" smtClean="0"/>
-              <a:t>forklaret, </a:t>
-            </a:r>
-            <a:r>
-              <a:rPr lang="da-DK" altLang="da-DK" sz="1600" dirty="0"/>
-              <a:t>hvordan man selv laver et </a:t>
-            </a:r>
-            <a:r>
-              <a:rPr lang="da-DK" altLang="da-DK" sz="1600" dirty="0" smtClean="0"/>
-              <a:t>møde</a:t>
-            </a:r>
-          </a:p>
-          <a:p>
-            <a:pPr lvl="1">
-              <a:spcBef>
-                <a:spcPts val="600"/>
-              </a:spcBef>
-              <a:buNone/>
-            </a:pPr>
-            <a:endParaRPr lang="da-DK" altLang="da-DK" sz="1600" dirty="0" smtClean="0"/>
-          </a:p>
-          <a:p>
-            <a:pPr marL="271463" lvl="1" indent="-271463">
-              <a:spcBef>
-                <a:spcPts val="1200"/>
-              </a:spcBef>
-              <a:buFontTx/>
-              <a:buChar char="•"/>
-            </a:pPr>
-            <a:r>
-              <a:rPr lang="da-DK" altLang="da-DK" sz="1800" b="1" spc="-40" dirty="0">
-                <a:solidFill>
-                  <a:srgbClr val="A50021"/>
-                </a:solidFill>
-              </a:rPr>
-              <a:t>Testserveren husker jeres adgangskode og </a:t>
-            </a:r>
-            <a:r>
-              <a:rPr lang="da-DK" altLang="da-DK" sz="1800" b="1" spc="-40" dirty="0" smtClean="0">
-                <a:solidFill>
-                  <a:srgbClr val="A50021"/>
-                </a:solidFill>
-              </a:rPr>
-              <a:t>password fra gang til gang</a:t>
-            </a:r>
-            <a:endParaRPr lang="da-DK" altLang="da-DK" sz="1800" b="1" spc="-40" dirty="0">
+              <a:t>Øvelser</a:t>
+            </a:r>
+            <a:endParaRPr lang="en-US" sz="3200" b="1" dirty="0">
+              <a:ln w="11430"/>
               <a:solidFill>
-                <a:srgbClr val="A50021"/>
+                <a:srgbClr val="CC0000"/>
               </a:solidFill>
+              <a:effectLst>
+                <a:outerShdw blurRad="50800" dist="39000" dir="5460000" algn="tl">
+                  <a:srgbClr val="000000">
+                    <a:alpha val="38000"/>
+                  </a:srgbClr>
+                </a:outerShdw>
+              </a:effectLst>
             </a:endParaRPr>
-          </a:p>
-          <a:p>
-            <a:pPr marL="742950" lvl="1" indent="-285750">
-              <a:spcBef>
-                <a:spcPts val="600"/>
-              </a:spcBef>
-            </a:pPr>
-            <a:r>
-              <a:rPr lang="da-DK" altLang="da-DK" sz="1600" dirty="0" smtClean="0"/>
-              <a:t>Hvis I sender et projekt til jeres makker, bør denne fjerne filen upload-data.dat (der ligger i mappen for det enkelte BlueJ projekt), således at der køres under det rigtige navn</a:t>
-            </a:r>
-            <a:endParaRPr lang="da-DK" altLang="da-DK" sz="1600" dirty="0"/>
-          </a:p>
-          <a:p>
-            <a:pPr marL="742950" lvl="1" indent="-285750">
-              <a:spcBef>
-                <a:spcPts val="600"/>
-              </a:spcBef>
-              <a:buFontTx/>
-              <a:buChar char="–"/>
-            </a:pPr>
-            <a:endParaRPr lang="da-DK" altLang="da-DK" sz="1600" dirty="0"/>
           </a:p>
         </p:txBody>
       </p:sp>
     </p:spTree>
     <p:extLst>
       <p:ext uri="{BB962C8B-B14F-4D97-AF65-F5344CB8AC3E}">
-        <p14:creationId xmlns:p14="http://schemas.microsoft.com/office/powerpoint/2010/main" val="1889185276"/>
+        <p14:creationId xmlns:p14="http://schemas.microsoft.com/office/powerpoint/2010/main" val="2279862288"/>
       </p:ext>
     </p:extLst>
   </p:cSld>
@@ -11409,7 +12867,75 @@
   <p:timing>
     <p:tnLst>
       <p:par>
-        <p:cTn id="1" dur="indefinite" restart="never" nodeType="tmRoot"/>
+        <p:cTn id="1" dur="indefinite" restart="never" nodeType="tmRoot">
+          <p:childTnLst>
+            <p:seq concurrent="1" nextAc="seek">
+              <p:cTn id="2" dur="indefinite" nodeType="mainSeq">
+                <p:childTnLst>
+                  <p:par>
+                    <p:cTn id="3" fill="hold">
+                      <p:stCondLst>
+                        <p:cond delay="indefinite"/>
+                      </p:stCondLst>
+                      <p:childTnLst>
+                        <p:par>
+                          <p:cTn id="4" fill="hold">
+                            <p:stCondLst>
+                              <p:cond delay="0"/>
+                            </p:stCondLst>
+                            <p:childTnLst>
+                              <p:par>
+                                <p:cTn id="5" presetID="1" presetClass="entr" presetSubtype="0" fill="hold" nodeType="clickEffect">
+                                  <p:stCondLst>
+                                    <p:cond delay="0"/>
+                                  </p:stCondLst>
+                                  <p:childTnLst>
+                                    <p:set>
+                                      <p:cBhvr>
+                                        <p:cTn id="6" dur="1" fill="hold">
+                                          <p:stCondLst>
+                                            <p:cond delay="0"/>
+                                          </p:stCondLst>
+                                        </p:cTn>
+                                        <p:tgtEl>
+                                          <p:spTgt spid="6"/>
+                                        </p:tgtEl>
+                                        <p:attrNameLst>
+                                          <p:attrName>style.visibility</p:attrName>
+                                        </p:attrNameLst>
+                                      </p:cBhvr>
+                                      <p:to>
+                                        <p:strVal val="visible"/>
+                                      </p:to>
+                                    </p:set>
+                                  </p:childTnLst>
+                                </p:cTn>
+                              </p:par>
+                            </p:childTnLst>
+                          </p:cTn>
+                        </p:par>
+                      </p:childTnLst>
+                    </p:cTn>
+                  </p:par>
+                </p:childTnLst>
+              </p:cTn>
+              <p:prevCondLst>
+                <p:cond evt="onPrev" delay="0">
+                  <p:tgtEl>
+                    <p:sldTgt/>
+                  </p:tgtEl>
+                </p:cond>
+              </p:prevCondLst>
+              <p:nextCondLst>
+                <p:cond evt="onNext" delay="0">
+                  <p:tgtEl>
+                    <p:sldTgt/>
+                  </p:tgtEl>
+                </p:cond>
+              </p:nextCondLst>
+            </p:seq>
+          </p:childTnLst>
+        </p:cTn>
       </p:par>
     </p:tnLst>
   </p:timing>
@@ -11444,7 +12970,7 @@
         <p:spPr bwMode="auto">
           <a:xfrm>
             <a:off x="459225" y="260349"/>
-            <a:ext cx="8505263" cy="682625"/>
+            <a:ext cx="8577271" cy="682625"/>
           </a:xfrm>
           <a:prstGeom prst="rect">
             <a:avLst/>
@@ -11617,7 +13143,7 @@
             <a:pPr marL="271463" indent="-271463"/>
             <a:r>
               <a:rPr lang="da-DK" altLang="da-DK" sz="2800" dirty="0" smtClean="0"/>
-              <a:t>Virtuel studiecafé</a:t>
+              <a:t>Frem mod næste seminar</a:t>
             </a:r>
             <a:endParaRPr lang="da-DK" altLang="da-DK" sz="2800" dirty="0"/>
           </a:p>
@@ -11633,7 +13159,7 @@
         </p:nvSpPr>
         <p:spPr bwMode="auto">
           <a:xfrm>
-            <a:off x="607400" y="1124744"/>
+            <a:off x="539552" y="1124744"/>
             <a:ext cx="8496944" cy="5733256"/>
           </a:xfrm>
           <a:prstGeom prst="rect">
@@ -11805,20 +13331,12 @@
               <a:buChar char="•"/>
             </a:pPr>
             <a:r>
-              <a:rPr lang="da-DK" sz="1800" b="1" spc="-40" dirty="0" smtClean="0">
+              <a:rPr lang="da-DK" altLang="da-DK" sz="1800" b="1" spc="-40" dirty="0" smtClean="0">
                 <a:solidFill>
                   <a:srgbClr val="A50021"/>
                 </a:solidFill>
               </a:rPr>
-              <a:t>De </a:t>
-            </a:r>
-            <a:r>
-              <a:rPr lang="da-DK" sz="1800" b="1" spc="-40" dirty="0">
-                <a:solidFill>
-                  <a:srgbClr val="A50021"/>
-                </a:solidFill>
-              </a:rPr>
-              <a:t>fredage, hvor der ikke er heldagsseminarer vil der være en virtuel studiecafé, hvor I via Zoom kan få hjælp fra en af instruktorerne.</a:t>
+              <a:t>Forelæsningerne kan genses inde på side ”Videoer fra forelæsninger”</a:t>
             </a:r>
           </a:p>
           <a:p>
@@ -11828,97 +13346,25 @@
               </a:spcBef>
             </a:pPr>
             <a:r>
-              <a:rPr lang="da-DK" sz="1600" dirty="0"/>
-              <a:t>I finder et link til det Zoom møderum, der bruges, ved at trykke på Zoom indgangen i den vanderette blå bjælke øverst på denne side. </a:t>
-            </a:r>
-          </a:p>
-          <a:p>
-            <a:pPr marL="742950" lvl="1" indent="-285750">
-              <a:spcBef>
-                <a:spcPts val="600"/>
-              </a:spcBef>
-            </a:pPr>
-            <a:r>
-              <a:rPr lang="da-DK" sz="1600" dirty="0" smtClean="0"/>
-              <a:t>Bemærk</a:t>
-            </a:r>
-            <a:r>
-              <a:rPr lang="da-DK" sz="1600" dirty="0"/>
-              <a:t>, at I SKAL logge på AU’s Zoom installation, som beskrevet i vejledningens punkt 2. I skal altid logge ind ved at trykke på </a:t>
-            </a:r>
-            <a:r>
-              <a:rPr lang="da-DK" sz="1600" dirty="0" err="1"/>
-              <a:t>SSO</a:t>
-            </a:r>
-            <a:r>
-              <a:rPr lang="da-DK" sz="1600" dirty="0"/>
-              <a:t>-knappen.</a:t>
-            </a:r>
-          </a:p>
-          <a:p>
-            <a:pPr marL="742950" lvl="1" indent="-285750">
-              <a:spcBef>
-                <a:spcPts val="600"/>
-              </a:spcBef>
-            </a:pPr>
-            <a:r>
-              <a:rPr lang="da-DK" sz="1600" dirty="0"/>
-              <a:t>Man skal ikke tilmeldes. I dukker blot op på Zoom, hvis I ønsker at deltage.</a:t>
-            </a:r>
-          </a:p>
-          <a:p>
-            <a:pPr marL="742950" lvl="1" indent="-285750">
-              <a:spcBef>
-                <a:spcPts val="600"/>
-              </a:spcBef>
-            </a:pPr>
-            <a:r>
-              <a:rPr lang="da-DK" sz="1600" smtClean="0"/>
-              <a:t>Vi </a:t>
-            </a:r>
-            <a:r>
-              <a:rPr lang="da-DK" sz="1600" dirty="0" smtClean="0"/>
-              <a:t>starter kl. 15.30 og fortsætter frem til ca. 17.00</a:t>
-            </a:r>
-          </a:p>
-          <a:p>
-            <a:pPr marL="742950" lvl="1" indent="-285750">
-              <a:spcBef>
-                <a:spcPts val="600"/>
-              </a:spcBef>
-            </a:pPr>
-            <a:r>
-              <a:rPr lang="da-DK" sz="1600" dirty="0" smtClean="0"/>
-              <a:t>Kom </a:t>
-            </a:r>
-            <a:r>
-              <a:rPr lang="da-DK" sz="1600" dirty="0"/>
-              <a:t>så tidligt som </a:t>
-            </a:r>
-            <a:r>
-              <a:rPr lang="da-DK" sz="1600" dirty="0" smtClean="0"/>
-              <a:t>muligt. Instruktoren </a:t>
-            </a:r>
-            <a:r>
-              <a:rPr lang="da-DK" sz="1600" dirty="0"/>
-              <a:t>går, når der ikke er flere, der ønsker hjælp.</a:t>
+              <a:rPr lang="da-DK" altLang="da-DK" sz="1600" dirty="0" smtClean="0"/>
+              <a:t>Klar ca. 1 time efter forelæsningen</a:t>
             </a:r>
           </a:p>
           <a:p>
             <a:pPr marL="271463" lvl="1" indent="-271463">
               <a:spcBef>
-                <a:spcPts val="1800"/>
+                <a:spcPts val="1200"/>
               </a:spcBef>
               <a:buFontTx/>
               <a:buChar char="•"/>
             </a:pPr>
             <a:r>
-              <a:rPr lang="da-DK" sz="1800" b="1" spc="-40" dirty="0">
+              <a:rPr lang="da-DK" altLang="da-DK" sz="1800" b="1" spc="-60" dirty="0" smtClean="0">
                 <a:solidFill>
                   <a:srgbClr val="A50021"/>
                 </a:solidFill>
               </a:rPr>
-              <a:t>I kan også bruge Studiecaféen til at stille spørgsmål omkring:</a:t>
+              <a:t>Raflebæger 1 afleveres inde på siden ”Øvelser (inklusiv afleveringsopgaver”</a:t>
             </a:r>
           </a:p>
           <a:p>
@@ -11928,34 +13374,12 @@
               </a:spcBef>
             </a:pPr>
             <a:r>
-              <a:rPr lang="da-DK" sz="1600" dirty="0"/>
-              <a:t>Jeres tidligere afleveringer (og instruktorens kommentarerne til dem),</a:t>
-            </a:r>
-          </a:p>
-          <a:p>
-            <a:pPr marL="742950" lvl="1" indent="-285750">
-              <a:spcBef>
-                <a:spcPts val="600"/>
-              </a:spcBef>
-            </a:pPr>
-            <a:r>
-              <a:rPr lang="da-DK" sz="1600" dirty="0"/>
-              <a:t>BlueJ bogen og mine slides,</a:t>
-            </a:r>
-          </a:p>
-          <a:p>
-            <a:pPr marL="742950" lvl="1" indent="-285750">
-              <a:spcBef>
-                <a:spcPts val="600"/>
-              </a:spcBef>
-            </a:pPr>
-            <a:r>
-              <a:rPr lang="da-DK" sz="1600" dirty="0" smtClean="0"/>
-              <a:t>Alt </a:t>
-            </a:r>
-            <a:r>
-              <a:rPr lang="da-DK" sz="1600" dirty="0"/>
-              <a:t>andet, som I har problemer med.</a:t>
+              <a:rPr lang="da-DK" altLang="da-DK" sz="1600" dirty="0" smtClean="0"/>
+              <a:t>Husk </a:t>
+            </a:r>
+            <a:r>
+              <a:rPr lang="da-DK" altLang="da-DK" sz="1600" dirty="0"/>
+              <a:t>at bruge testserveren før I afleverer (som beskrevet i opgaven)</a:t>
             </a:r>
           </a:p>
           <a:p>
@@ -11966,6 +13390,93 @@
               <a:buFontTx/>
               <a:buChar char="–"/>
             </a:pPr>
+            <a:r>
+              <a:rPr lang="da-DK" altLang="da-DK" sz="1600" dirty="0" smtClean="0"/>
+              <a:t>Det er nok, at en fra hvert par afleverer (ellers oprettes der to afleveringer, hvor instruktoren kun retter den sidste)</a:t>
+            </a:r>
+          </a:p>
+          <a:p>
+            <a:pPr marL="742950" lvl="1" indent="-285750">
+              <a:spcBef>
+                <a:spcPts val="600"/>
+              </a:spcBef>
+              <a:buFontTx/>
+              <a:buChar char="–"/>
+            </a:pPr>
+            <a:r>
+              <a:rPr lang="da-DK" altLang="da-DK" sz="1600" dirty="0" smtClean="0"/>
+              <a:t>Når instruktorerne har rettet en opgave, kan I se hans kommentarer samme sted, som I afleverede</a:t>
+            </a:r>
+          </a:p>
+          <a:p>
+            <a:pPr marL="742950" lvl="1" indent="-285750">
+              <a:spcBef>
+                <a:spcPts val="600"/>
+              </a:spcBef>
+              <a:buFontTx/>
+              <a:buChar char="–"/>
+            </a:pPr>
+            <a:r>
+              <a:rPr lang="da-DK" altLang="da-DK" sz="1600" dirty="0" smtClean="0"/>
+              <a:t>Der er sikkert mange, der vil få genaflevering de første gange – for at rette småting i jeres programmeringsstil (der kommer mere info om, hvilken stil I bør benytte på næste seminar – se eventuelt også </a:t>
+            </a:r>
+            <a:r>
+              <a:rPr lang="da-DK" altLang="da-DK" sz="1600" dirty="0" err="1" smtClean="0"/>
+              <a:t>Appendix</a:t>
+            </a:r>
+            <a:r>
+              <a:rPr lang="da-DK" altLang="da-DK" sz="1600" dirty="0" smtClean="0"/>
+              <a:t> J i BlueJ bogen)</a:t>
+            </a:r>
+          </a:p>
+          <a:p>
+            <a:pPr marL="271463" lvl="1" indent="-271463">
+              <a:spcBef>
+                <a:spcPts val="1200"/>
+              </a:spcBef>
+              <a:buFontTx/>
+              <a:buChar char="•"/>
+            </a:pPr>
+            <a:r>
+              <a:rPr lang="da-DK" altLang="da-DK" sz="1800" b="1" spc="-40" dirty="0" smtClean="0">
+                <a:solidFill>
+                  <a:srgbClr val="A50021"/>
+                </a:solidFill>
+              </a:rPr>
+              <a:t>Quizzerne</a:t>
+            </a:r>
+            <a:endParaRPr lang="da-DK" altLang="da-DK" sz="1800" b="1" spc="-40" dirty="0">
+              <a:solidFill>
+                <a:srgbClr val="A50021"/>
+              </a:solidFill>
+            </a:endParaRPr>
+          </a:p>
+          <a:p>
+            <a:pPr marL="742950" lvl="1" indent="-285750">
+              <a:spcBef>
+                <a:spcPts val="600"/>
+              </a:spcBef>
+              <a:buFontTx/>
+              <a:buChar char="–"/>
+            </a:pPr>
+            <a:r>
+              <a:rPr lang="da-DK" altLang="da-DK" sz="1600" spc="-70" dirty="0" smtClean="0"/>
+              <a:t>Quizzerne løses ved hjælp af en quizserver (adgangskode og password er den samme, som for testserveren)</a:t>
+            </a:r>
+            <a:endParaRPr lang="da-DK" altLang="da-DK" sz="1600" dirty="0" smtClean="0"/>
+          </a:p>
+          <a:p>
+            <a:pPr marL="742950" lvl="1" indent="-285750">
+              <a:spcBef>
+                <a:spcPts val="600"/>
+              </a:spcBef>
+              <a:buFontTx/>
+              <a:buChar char="–"/>
+            </a:pPr>
+            <a:r>
+              <a:rPr lang="da-DK" altLang="da-DK" sz="1600" dirty="0" smtClean="0"/>
+              <a:t>Løs quizzerne ”så sent som muligt” (så I når at have læst stoffet først)</a:t>
+            </a:r>
             <a:endParaRPr lang="da-DK" altLang="da-DK" sz="1600" dirty="0"/>
           </a:p>
         </p:txBody>
@@ -11973,7 +13484,7 @@
     </p:spTree>
     <p:extLst>
       <p:ext uri="{BB962C8B-B14F-4D97-AF65-F5344CB8AC3E}">
-        <p14:creationId xmlns:p14="http://schemas.microsoft.com/office/powerpoint/2010/main" val="198881662"/>
+        <p14:creationId xmlns:p14="http://schemas.microsoft.com/office/powerpoint/2010/main" val="1240138285"/>
       </p:ext>
     </p:extLst>
   </p:cSld>
@@ -13302,298 +14813,4 @@
   </a:objectDefaults>
   <a:extraClrSchemeLst/>
 </a:theme>
-</file>
-
-<file path=customXml/item1.xml><?xml version="1.0" encoding="utf-8"?>
-<ct:contentTypeSchema xmlns:ct="http://schemas.microsoft.com/office/2006/metadata/contentType" xmlns:ma="http://schemas.microsoft.com/office/2006/metadata/properties/metaAttributes" ct:_="" ma:_="" ma:contentTypeName="Dokument" ma:contentTypeID="0x01010056836BC33D1E5846BD77C269C61838DB" ma:contentTypeVersion="15" ma:contentTypeDescription="Opret et nyt dokument." ma:contentTypeScope="" ma:versionID="312142c121a79ad47b84fd5eef3bff82">
-  <xsd:schema xmlns:xsd="http://www.w3.org/2001/XMLSchema" xmlns:xs="http://www.w3.org/2001/XMLSchema" xmlns:p="http://schemas.microsoft.com/office/2006/metadata/properties" xmlns:ns3="f659a008-7c21-4ee3-a745-e38581e13101" xmlns:ns4="e064323b-8959-406a-a3e9-bb6e93638192" targetNamespace="http://schemas.microsoft.com/office/2006/metadata/properties" ma:root="true" ma:fieldsID="d8b41bb9140ab12135cf079bb511cb4a" ns3:_="" ns4:_="">
-    <xsd:import namespace="f659a008-7c21-4ee3-a745-e38581e13101"/>
-    <xsd:import namespace="e064323b-8959-406a-a3e9-bb6e93638192"/>
-    <xsd:element name="properties">
-      <xsd:complexType>
-        <xsd:sequence>
-          <xsd:element name="documentManagement">
-            <xsd:complexType>
-              <xsd:all>
-                <xsd:element ref="ns3:MediaServiceMetadata" minOccurs="0"/>
-                <xsd:element ref="ns3:MediaServiceFastMetadata" minOccurs="0"/>
-                <xsd:element ref="ns3:MediaServiceDateTaken" minOccurs="0"/>
-                <xsd:element ref="ns3:MediaLengthInSeconds" minOccurs="0"/>
-                <xsd:element ref="ns4:SharedWithUsers" minOccurs="0"/>
-                <xsd:element ref="ns4:SharedWithDetails" minOccurs="0"/>
-                <xsd:element ref="ns4:SharingHintHash" minOccurs="0"/>
-                <xsd:element ref="ns3:MediaServiceAutoTags" minOccurs="0"/>
-                <xsd:element ref="ns3:_activity" minOccurs="0"/>
-                <xsd:element ref="ns3:MediaServiceObjectDetectorVersions" minOccurs="0"/>
-                <xsd:element ref="ns3:MediaServiceGenerationTime" minOccurs="0"/>
-                <xsd:element ref="ns3:MediaServiceEventHashCode" minOccurs="0"/>
-                <xsd:element ref="ns3:MediaServiceSystemTags" minOccurs="0"/>
-                <xsd:element ref="ns3:MediaServiceLocation" minOccurs="0"/>
-                <xsd:element ref="ns3:MediaServiceOCR" minOccurs="0"/>
-              </xsd:all>
-            </xsd:complexType>
-          </xsd:element>
-        </xsd:sequence>
-      </xsd:complexType>
-    </xsd:element>
-  </xsd:schema>
-  <xsd:schema xmlns:xsd="http://www.w3.org/2001/XMLSchema" xmlns:xs="http://www.w3.org/2001/XMLSchema" xmlns:dms="http://schemas.microsoft.com/office/2006/documentManagement/types" xmlns:pc="http://schemas.microsoft.com/office/infopath/2007/PartnerControls" targetNamespace="f659a008-7c21-4ee3-a745-e38581e13101" elementFormDefault="qualified">
-    <xsd:import namespace="http://schemas.microsoft.com/office/2006/documentManagement/types"/>
-    <xsd:import namespace="http://schemas.microsoft.com/office/infopath/2007/PartnerControls"/>
-    <xsd:element name="MediaServiceMetadata" ma:index="8" nillable="true" ma:displayName="MediaServiceMetadata" ma:hidden="true" ma:internalName="MediaServiceMetadata" ma:readOnly="true">
-      <xsd:simpleType>
-        <xsd:restriction base="dms:Note"/>
-      </xsd:simpleType>
-    </xsd:element>
-    <xsd:element name="MediaServiceFastMetadata" ma:index="9" nillable="true" ma:displayName="MediaServiceFastMetadata" ma:hidden="true" ma:internalName="MediaServiceFastMetadata" ma:readOnly="true">
-      <xsd:simpleType>
-        <xsd:restriction base="dms:Note"/>
-      </xsd:simpleType>
-    </xsd:element>
-    <xsd:element name="MediaServiceDateTaken" ma:index="10" nillable="true" ma:displayName="MediaServiceDateTaken" ma:hidden="true" ma:internalName="MediaServiceDateTaken" ma:readOnly="true">
-      <xsd:simpleType>
-        <xsd:restriction base="dms:Text"/>
-      </xsd:simpleType>
-    </xsd:element>
-    <xsd:element name="MediaLengthInSeconds" ma:index="11" nillable="true" ma:displayName="MediaLengthInSeconds" ma:hidden="true" ma:internalName="MediaLengthInSeconds" ma:readOnly="true">
-      <xsd:simpleType>
-        <xsd:restriction base="dms:Unknown"/>
-      </xsd:simpleType>
-    </xsd:element>
-    <xsd:element name="MediaServiceAutoTags" ma:index="15" nillable="true" ma:displayName="Tags" ma:internalName="MediaServiceAutoTags" ma:readOnly="true">
-      <xsd:simpleType>
-        <xsd:restriction base="dms:Text"/>
-      </xsd:simpleType>
-    </xsd:element>
-    <xsd:element name="_activity" ma:index="16" nillable="true" ma:displayName="_activity" ma:hidden="true" ma:internalName="_activity">
-      <xsd:simpleType>
-        <xsd:restriction base="dms:Note"/>
-      </xsd:simpleType>
-    </xsd:element>
-    <xsd:element name="MediaServiceObjectDetectorVersions" ma:index="17" nillable="true" ma:displayName="MediaServiceObjectDetectorVersions" ma:hidden="true" ma:indexed="true" ma:internalName="MediaServiceObjectDetectorVersions" ma:readOnly="true">
-      <xsd:simpleType>
-        <xsd:restriction base="dms:Text"/>
-      </xsd:simpleType>
-    </xsd:element>
-    <xsd:element name="MediaServiceGenerationTime" ma:index="18" nillable="true" ma:displayName="MediaServiceGenerationTime" ma:hidden="true" ma:internalName="MediaServiceGenerationTime" ma:readOnly="true">
-      <xsd:simpleType>
-        <xsd:restriction base="dms:Text"/>
-      </xsd:simpleType>
-    </xsd:element>
-    <xsd:element name="MediaServiceEventHashCode" ma:index="19" nillable="true" ma:displayName="MediaServiceEventHashCode" ma:hidden="true" ma:internalName="MediaServiceEventHashCode" ma:readOnly="true">
-      <xsd:simpleType>
-        <xsd:restriction base="dms:Text"/>
-      </xsd:simpleType>
-    </xsd:element>
-    <xsd:element name="MediaServiceSystemTags" ma:index="20" nillable="true" ma:displayName="MediaServiceSystemTags" ma:hidden="true" ma:internalName="MediaServiceSystemTags" ma:readOnly="true">
-      <xsd:simpleType>
-        <xsd:restriction base="dms:Note"/>
-      </xsd:simpleType>
-    </xsd:element>
-    <xsd:element name="MediaServiceLocation" ma:index="21" nillable="true" ma:displayName="Location" ma:indexed="true" ma:internalName="MediaServiceLocation" ma:readOnly="true">
-      <xsd:simpleType>
-        <xsd:restriction base="dms:Text"/>
-      </xsd:simpleType>
-    </xsd:element>
-    <xsd:element name="MediaServiceOCR" ma:index="22" nillable="true" ma:displayName="Extracted Text" ma:internalName="MediaServiceOCR" ma:readOnly="true">
-      <xsd:simpleType>
-        <xsd:restriction base="dms:Note">
-          <xsd:maxLength value="255"/>
-        </xsd:restriction>
-      </xsd:simpleType>
-    </xsd:element>
-  </xsd:schema>
-  <xsd:schema xmlns:xsd="http://www.w3.org/2001/XMLSchema" xmlns:xs="http://www.w3.org/2001/XMLSchema" xmlns:dms="http://schemas.microsoft.com/office/2006/documentManagement/types" xmlns:pc="http://schemas.microsoft.com/office/infopath/2007/PartnerControls" targetNamespace="e064323b-8959-406a-a3e9-bb6e93638192" elementFormDefault="qualified">
-    <xsd:import namespace="http://schemas.microsoft.com/office/2006/documentManagement/types"/>
-    <xsd:import namespace="http://schemas.microsoft.com/office/infopath/2007/PartnerControls"/>
-    <xsd:element name="SharedWithUsers" ma:index="12" nillable="true" ma:displayName="Delt med" ma:internalName="SharedWithUsers" ma:readOnly="true">
-      <xsd:complexType>
-        <xsd:complexContent>
-          <xsd:extension base="dms:UserMulti">
-            <xsd:sequence>
-              <xsd:element name="UserInfo" minOccurs="0" maxOccurs="unbounded">
-                <xsd:complexType>
-                  <xsd:sequence>
-                    <xsd:element name="DisplayName" type="xsd:string" minOccurs="0"/>
-                    <xsd:element name="AccountId" type="dms:UserId" minOccurs="0" nillable="true"/>
-                    <xsd:element name="AccountType" type="xsd:string" minOccurs="0"/>
-                  </xsd:sequence>
-                </xsd:complexType>
-              </xsd:element>
-            </xsd:sequence>
-          </xsd:extension>
-        </xsd:complexContent>
-      </xsd:complexType>
-    </xsd:element>
-    <xsd:element name="SharedWithDetails" ma:index="13" nillable="true" ma:displayName="Delt med detaljer" ma:internalName="SharedWithDetails" ma:readOnly="true">
-      <xsd:simpleType>
-        <xsd:restriction base="dms:Note">
-          <xsd:maxLength value="255"/>
-        </xsd:restriction>
-      </xsd:simpleType>
-    </xsd:element>
-    <xsd:element name="SharingHintHash" ma:index="14" nillable="true" ma:displayName="Hashværdi for deling" ma:hidden="true" ma:internalName="SharingHintHash" ma:readOnly="true">
-      <xsd:simpleType>
-        <xsd:restriction base="dms:Text"/>
-      </xsd:simpleType>
-    </xsd:element>
-  </xsd:schema>
-  <xsd:schema xmlns="http://schemas.openxmlformats.org/package/2006/metadata/core-properties" xmlns:xsd="http://www.w3.org/2001/XMLSchema" xmlns:xsi="http://www.w3.org/2001/XMLSchema-instance" xmlns:dc="http://purl.org/dc/elements/1.1/" xmlns:dcterms="http://purl.org/dc/terms/" xmlns:odoc="http://schemas.microsoft.com/internal/obd" targetNamespace="http://schemas.openxmlformats.org/package/2006/metadata/core-properties" elementFormDefault="qualified" attributeFormDefault="unqualified" blockDefault="#all">
-    <xsd:import namespace="http://purl.org/dc/elements/1.1/" schemaLocation="http://dublincore.org/schemas/xmls/qdc/2003/04/02/dc.xsd"/>
-    <xsd:import namespace="http://purl.org/dc/terms/" schemaLocation="http://dublincore.org/schemas/xmls/qdc/2003/04/02/dcterms.xsd"/>
-    <xsd:element name="coreProperties" type="CT_coreProperties"/>
-    <xsd:complexType name="CT_coreProperties">
-      <xsd:all>
-        <xsd:element ref="dc:creator" minOccurs="0" maxOccurs="1"/>
-        <xsd:element ref="dcterms:created" minOccurs="0" maxOccurs="1"/>
-        <xsd:element ref="dc:identifier" minOccurs="0" maxOccurs="1"/>
-        <xsd:element name="contentType" minOccurs="0" maxOccurs="1" type="xsd:string" ma:index="0" ma:displayName="Indholdstype"/>
-        <xsd:element ref="dc:title" minOccurs="0" maxOccurs="1" ma:index="4" ma:displayName="Titel"/>
-        <xsd:element ref="dc:subject" minOccurs="0" maxOccurs="1"/>
-        <xsd:element ref="dc:description" minOccurs="0" maxOccurs="1"/>
-        <xsd:element name="keywords" minOccurs="0" maxOccurs="1" type="xsd:string"/>
-        <xsd:element ref="dc:language" minOccurs="0" maxOccurs="1"/>
-        <xsd:element name="category" minOccurs="0" maxOccurs="1" type="xsd:string"/>
-        <xsd:element name="version" minOccurs="0" maxOccurs="1" type="xsd:string"/>
-        <xsd:element name="revision" minOccurs="0" maxOccurs="1" type="xsd:string">
-          <xsd:annotation>
-            <xsd:documentation>
-                        This value indicates the number of saves or revisions. The application is responsible for updating this value after each revision.
-                    </xsd:documentation>
-          </xsd:annotation>
-        </xsd:element>
-        <xsd:element name="lastModifiedBy" minOccurs="0" maxOccurs="1" type="xsd:string"/>
-        <xsd:element ref="dcterms:modified" minOccurs="0" maxOccurs="1"/>
-        <xsd:element name="contentStatus" minOccurs="0" maxOccurs="1" type="xsd:string"/>
-      </xsd:all>
-    </xsd:complexType>
-  </xsd:schema>
-  <xs:schema xmlns:pc="http://schemas.microsoft.com/office/infopath/2007/PartnerControls" xmlns:xs="http://www.w3.org/2001/XMLSchema" targetNamespace="http://schemas.microsoft.com/office/infopath/2007/PartnerControls" elementFormDefault="qualified" attributeFormDefault="unqualified">
-    <xs:element name="Person">
-      <xs:complexType>
-        <xs:sequence>
-          <xs:element ref="pc:DisplayName" minOccurs="0"/>
-          <xs:element ref="pc:AccountId" minOccurs="0"/>
-          <xs:element ref="pc:AccountType" minOccurs="0"/>
-        </xs:sequence>
-      </xs:complexType>
-    </xs:element>
-    <xs:element name="DisplayName" type="xs:string"/>
-    <xs:element name="AccountId" type="xs:string"/>
-    <xs:element name="AccountType" type="xs:string"/>
-    <xs:element name="BDCAssociatedEntity">
-      <xs:complexType>
-        <xs:sequence>
-          <xs:element ref="pc:BDCEntity" minOccurs="0" maxOccurs="unbounded"/>
-        </xs:sequence>
-        <xs:attribute ref="pc:EntityNamespace"/>
-        <xs:attribute ref="pc:EntityName"/>
-        <xs:attribute ref="pc:SystemInstanceName"/>
-        <xs:attribute ref="pc:AssociationName"/>
-      </xs:complexType>
-    </xs:element>
-    <xs:attribute name="EntityNamespace" type="xs:string"/>
-    <xs:attribute name="EntityName" type="xs:string"/>
-    <xs:attribute name="SystemInstanceName" type="xs:string"/>
-    <xs:attribute name="AssociationName" type="xs:string"/>
-    <xs:element name="BDCEntity">
-      <xs:complexType>
-        <xs:sequence>
-          <xs:element ref="pc:EntityDisplayName" minOccurs="0"/>
-          <xs:element ref="pc:EntityInstanceReference" minOccurs="0"/>
-          <xs:element ref="pc:EntityId1" minOccurs="0"/>
-          <xs:element ref="pc:EntityId2" minOccurs="0"/>
-          <xs:element ref="pc:EntityId3" minOccurs="0"/>
-          <xs:element ref="pc:EntityId4" minOccurs="0"/>
-          <xs:element ref="pc:EntityId5" minOccurs="0"/>
-        </xs:sequence>
-      </xs:complexType>
-    </xs:element>
-    <xs:element name="EntityDisplayName" type="xs:string"/>
-    <xs:element name="EntityInstanceReference" type="xs:string"/>
-    <xs:element name="EntityId1" type="xs:string"/>
-    <xs:element name="EntityId2" type="xs:string"/>
-    <xs:element name="EntityId3" type="xs:string"/>
-    <xs:element name="EntityId4" type="xs:string"/>
-    <xs:element name="EntityId5" type="xs:string"/>
-    <xs:element name="Terms">
-      <xs:complexType>
-        <xs:sequence>
-          <xs:element ref="pc:TermInfo" minOccurs="0" maxOccurs="unbounded"/>
-        </xs:sequence>
-      </xs:complexType>
-    </xs:element>
-    <xs:element name="TermInfo">
-      <xs:complexType>
-        <xs:sequence>
-          <xs:element ref="pc:TermName" minOccurs="0"/>
-          <xs:element ref="pc:TermId" minOccurs="0"/>
-        </xs:sequence>
-      </xs:complexType>
-    </xs:element>
-    <xs:element name="TermName" type="xs:string"/>
-    <xs:element name="TermId" type="xs:string"/>
-  </xs:schema>
-</ct:contentTypeSchema>
-</file>
-
-<file path=customXml/item2.xml><?xml version="1.0" encoding="utf-8"?>
-<?mso-contentType ?>
-<FormTemplates xmlns="http://schemas.microsoft.com/sharepoint/v3/contenttype/forms">
-  <Display>DocumentLibraryForm</Display>
-  <Edit>DocumentLibraryForm</Edit>
-  <New>DocumentLibraryForm</New>
-</FormTemplates>
-</file>
-
-<file path=customXml/item3.xml><?xml version="1.0" encoding="utf-8"?>
-<p:properties xmlns:p="http://schemas.microsoft.com/office/2006/metadata/properties" xmlns:xsi="http://www.w3.org/2001/XMLSchema-instance" xmlns:pc="http://schemas.microsoft.com/office/infopath/2007/PartnerControls">
-  <documentManagement>
-    <_activity xmlns="f659a008-7c21-4ee3-a745-e38581e13101" xsi:nil="true"/>
-  </documentManagement>
-</p:properties>
-</file>
-
-<file path=customXml/itemProps1.xml><?xml version="1.0" encoding="utf-8"?>
-<ds:datastoreItem xmlns:ds="http://schemas.openxmlformats.org/officeDocument/2006/customXml" ds:itemID="{ABD4C1F5-EE38-4987-ACD3-E62FAFF75EC1}">
-  <ds:schemaRefs>
-    <ds:schemaRef ds:uri="http://schemas.microsoft.com/office/2006/metadata/contentType"/>
-    <ds:schemaRef ds:uri="http://schemas.microsoft.com/office/2006/metadata/properties/metaAttributes"/>
-    <ds:schemaRef ds:uri="http://www.w3.org/2001/XMLSchema"/>
-    <ds:schemaRef ds:uri="http://schemas.microsoft.com/office/2006/metadata/properties"/>
-    <ds:schemaRef ds:uri="f659a008-7c21-4ee3-a745-e38581e13101"/>
-    <ds:schemaRef ds:uri="e064323b-8959-406a-a3e9-bb6e93638192"/>
-    <ds:schemaRef ds:uri="http://schemas.microsoft.com/office/2006/documentManagement/types"/>
-    <ds:schemaRef ds:uri="http://schemas.microsoft.com/office/infopath/2007/PartnerControls"/>
-    <ds:schemaRef ds:uri="http://schemas.openxmlformats.org/package/2006/metadata/core-properties"/>
-    <ds:schemaRef ds:uri="http://purl.org/dc/elements/1.1/"/>
-    <ds:schemaRef ds:uri="http://purl.org/dc/terms/"/>
-    <ds:schemaRef ds:uri="http://schemas.microsoft.com/internal/obd"/>
-  </ds:schemaRefs>
-</ds:datastoreItem>
-</file>
-
-<file path=customXml/itemProps2.xml><?xml version="1.0" encoding="utf-8"?>
-<ds:datastoreItem xmlns:ds="http://schemas.openxmlformats.org/officeDocument/2006/customXml" ds:itemID="{866AB4C9-747A-46CB-AF91-1A89441FE406}">
-  <ds:schemaRefs>
-    <ds:schemaRef ds:uri="http://schemas.microsoft.com/sharepoint/v3/contenttype/forms"/>
-  </ds:schemaRefs>
-</ds:datastoreItem>
-</file>
-
-<file path=customXml/itemProps3.xml><?xml version="1.0" encoding="utf-8"?>
-<ds:datastoreItem xmlns:ds="http://schemas.openxmlformats.org/officeDocument/2006/customXml" ds:itemID="{E5F33526-35C3-46EE-963E-73B8090D0FC7}">
-  <ds:schemaRefs>
-    <ds:schemaRef ds:uri="http://purl.org/dc/elements/1.1/"/>
-    <ds:schemaRef ds:uri="http://schemas.openxmlformats.org/package/2006/metadata/core-properties"/>
-    <ds:schemaRef ds:uri="http://purl.org/dc/terms/"/>
-    <ds:schemaRef ds:uri="http://purl.org/dc/dcmitype/"/>
-    <ds:schemaRef ds:uri="http://schemas.microsoft.com/office/infopath/2007/PartnerControls"/>
-    <ds:schemaRef ds:uri="http://schemas.microsoft.com/office/2006/documentManagement/types"/>
-    <ds:schemaRef ds:uri="http://schemas.microsoft.com/office/2006/metadata/properties"/>
-    <ds:schemaRef ds:uri="e064323b-8959-406a-a3e9-bb6e93638192"/>
-    <ds:schemaRef ds:uri="f659a008-7c21-4ee3-a745-e38581e13101"/>
-    <ds:schemaRef ds:uri="http://www.w3.org/XML/1998/namespace"/>
-  </ds:schemaRefs>
-</ds:datastoreItem>
 </file>